--- a/PPT/QCM.pptx
+++ b/PPT/QCM.pptx
@@ -5,7 +5,7 @@
     <p:sldMasterId id="2147483648" r:id="rId1"/>
   </p:sldMasterIdLst>
   <p:notesMasterIdLst>
-    <p:notesMasterId r:id="rId25"/>
+    <p:notesMasterId r:id="rId28"/>
   </p:notesMasterIdLst>
   <p:sldIdLst>
     <p:sldId id="256" r:id="rId2"/>
@@ -24,13 +24,16 @@
     <p:sldId id="270" r:id="rId15"/>
     <p:sldId id="271" r:id="rId16"/>
     <p:sldId id="272" r:id="rId17"/>
-    <p:sldId id="273" r:id="rId18"/>
-    <p:sldId id="274" r:id="rId19"/>
-    <p:sldId id="275" r:id="rId20"/>
-    <p:sldId id="276" r:id="rId21"/>
-    <p:sldId id="277" r:id="rId22"/>
-    <p:sldId id="278" r:id="rId23"/>
-    <p:sldId id="279" r:id="rId24"/>
+    <p:sldId id="280" r:id="rId18"/>
+    <p:sldId id="281" r:id="rId19"/>
+    <p:sldId id="273" r:id="rId20"/>
+    <p:sldId id="274" r:id="rId21"/>
+    <p:sldId id="275" r:id="rId22"/>
+    <p:sldId id="276" r:id="rId23"/>
+    <p:sldId id="277" r:id="rId24"/>
+    <p:sldId id="278" r:id="rId25"/>
+    <p:sldId id="282" r:id="rId26"/>
+    <p:sldId id="279" r:id="rId27"/>
   </p:sldIdLst>
   <p:sldSz cx="12192000" cy="6858000"/>
   <p:notesSz cx="6858000" cy="9144000"/>
@@ -219,7 +222,7 @@
           <a:p>
             <a:fld id="{CEA9EA9F-5B91-A046-8F68-12B9A2D04F4B}" type="datetimeFigureOut">
               <a:rPr kumimoji="1" lang="zh-CN" altLang="en-US" smtClean="0"/>
-              <a:t>2020/5/7</a:t>
+              <a:t>2020/5/23</a:t>
             </a:fld>
             <a:endParaRPr kumimoji="1" lang="zh-CN" altLang="en-US"/>
           </a:p>
@@ -283,38 +286,37 @@
           <a:p>
             <a:pPr lvl="0"/>
             <a:r>
-              <a:rPr kumimoji="1" lang="zh-CN" altLang="en-US" smtClean="0"/>
+              <a:rPr kumimoji="1" lang="zh-CN" altLang="en-US"/>
               <a:t>单击此处编辑母版文本样式</a:t>
             </a:r>
           </a:p>
           <a:p>
             <a:pPr lvl="1"/>
             <a:r>
-              <a:rPr kumimoji="1" lang="zh-CN" altLang="en-US" smtClean="0"/>
+              <a:rPr kumimoji="1" lang="zh-CN" altLang="en-US"/>
               <a:t>二级</a:t>
             </a:r>
           </a:p>
           <a:p>
             <a:pPr lvl="2"/>
             <a:r>
-              <a:rPr kumimoji="1" lang="zh-CN" altLang="en-US" smtClean="0"/>
+              <a:rPr kumimoji="1" lang="zh-CN" altLang="en-US"/>
               <a:t>三级</a:t>
             </a:r>
           </a:p>
           <a:p>
             <a:pPr lvl="3"/>
             <a:r>
-              <a:rPr kumimoji="1" lang="zh-CN" altLang="en-US" smtClean="0"/>
+              <a:rPr kumimoji="1" lang="zh-CN" altLang="en-US"/>
               <a:t>四级</a:t>
             </a:r>
           </a:p>
           <a:p>
             <a:pPr lvl="4"/>
             <a:r>
-              <a:rPr kumimoji="1" lang="zh-CN" altLang="en-US" smtClean="0"/>
+              <a:rPr kumimoji="1" lang="zh-CN" altLang="en-US"/>
               <a:t>五级</a:t>
             </a:r>
-            <a:endParaRPr kumimoji="1" lang="zh-CN" altLang="en-US"/>
           </a:p>
         </p:txBody>
       </p:sp>
@@ -697,10 +699,9 @@
           </a:lstStyle>
           <a:p>
             <a:r>
-              <a:rPr kumimoji="1" lang="zh-CN" altLang="en-US" smtClean="0"/>
+              <a:rPr kumimoji="1" lang="zh-CN" altLang="en-US"/>
               <a:t>单击此处编辑母版标题样式</a:t>
             </a:r>
-            <a:endParaRPr kumimoji="1" lang="zh-CN" altLang="en-US"/>
           </a:p>
         </p:txBody>
       </p:sp>
@@ -762,10 +763,9 @@
           </a:lstStyle>
           <a:p>
             <a:r>
-              <a:rPr kumimoji="1" lang="zh-CN" altLang="en-US" smtClean="0"/>
+              <a:rPr kumimoji="1" lang="zh-CN" altLang="en-US"/>
               <a:t>单击此处编辑母版副标题样式</a:t>
             </a:r>
-            <a:endParaRPr kumimoji="1" lang="zh-CN" altLang="en-US"/>
           </a:p>
         </p:txBody>
       </p:sp>
@@ -786,7 +786,7 @@
           <a:p>
             <a:fld id="{A4B1B849-C82F-E740-87C2-0BE2FF9640F5}" type="datetimeFigureOut">
               <a:rPr kumimoji="1" lang="zh-CN" altLang="en-US" smtClean="0"/>
-              <a:t>2020/5/7</a:t>
+              <a:t>2020/5/23</a:t>
             </a:fld>
             <a:endParaRPr kumimoji="1" lang="zh-CN" altLang="en-US"/>
           </a:p>
@@ -880,10 +880,9 @@
           <a:lstStyle/>
           <a:p>
             <a:r>
-              <a:rPr kumimoji="1" lang="zh-CN" altLang="en-US" smtClean="0"/>
+              <a:rPr kumimoji="1" lang="zh-CN" altLang="en-US"/>
               <a:t>单击此处编辑母版标题样式</a:t>
             </a:r>
-            <a:endParaRPr kumimoji="1" lang="zh-CN" altLang="en-US"/>
           </a:p>
         </p:txBody>
       </p:sp>
@@ -904,38 +903,37 @@
           <a:p>
             <a:pPr lvl="0"/>
             <a:r>
-              <a:rPr kumimoji="1" lang="zh-CN" altLang="en-US" smtClean="0"/>
+              <a:rPr kumimoji="1" lang="zh-CN" altLang="en-US"/>
               <a:t>单击此处编辑母版文本样式</a:t>
             </a:r>
           </a:p>
           <a:p>
             <a:pPr lvl="1"/>
             <a:r>
-              <a:rPr kumimoji="1" lang="zh-CN" altLang="en-US" smtClean="0"/>
+              <a:rPr kumimoji="1" lang="zh-CN" altLang="en-US"/>
               <a:t>二级</a:t>
             </a:r>
           </a:p>
           <a:p>
             <a:pPr lvl="2"/>
             <a:r>
-              <a:rPr kumimoji="1" lang="zh-CN" altLang="en-US" smtClean="0"/>
+              <a:rPr kumimoji="1" lang="zh-CN" altLang="en-US"/>
               <a:t>三级</a:t>
             </a:r>
           </a:p>
           <a:p>
             <a:pPr lvl="3"/>
             <a:r>
-              <a:rPr kumimoji="1" lang="zh-CN" altLang="en-US" smtClean="0"/>
+              <a:rPr kumimoji="1" lang="zh-CN" altLang="en-US"/>
               <a:t>四级</a:t>
             </a:r>
           </a:p>
           <a:p>
             <a:pPr lvl="4"/>
             <a:r>
-              <a:rPr kumimoji="1" lang="zh-CN" altLang="en-US" smtClean="0"/>
+              <a:rPr kumimoji="1" lang="zh-CN" altLang="en-US"/>
               <a:t>五级</a:t>
             </a:r>
-            <a:endParaRPr kumimoji="1" lang="zh-CN" altLang="en-US"/>
           </a:p>
         </p:txBody>
       </p:sp>
@@ -956,7 +954,7 @@
           <a:p>
             <a:fld id="{A4B1B849-C82F-E740-87C2-0BE2FF9640F5}" type="datetimeFigureOut">
               <a:rPr kumimoji="1" lang="zh-CN" altLang="en-US" smtClean="0"/>
-              <a:t>2020/5/7</a:t>
+              <a:t>2020/5/23</a:t>
             </a:fld>
             <a:endParaRPr kumimoji="1" lang="zh-CN" altLang="en-US"/>
           </a:p>
@@ -1055,10 +1053,9 @@
           <a:lstStyle/>
           <a:p>
             <a:r>
-              <a:rPr kumimoji="1" lang="zh-CN" altLang="en-US" smtClean="0"/>
+              <a:rPr kumimoji="1" lang="zh-CN" altLang="en-US"/>
               <a:t>单击此处编辑母版标题样式</a:t>
             </a:r>
-            <a:endParaRPr kumimoji="1" lang="zh-CN" altLang="en-US"/>
           </a:p>
         </p:txBody>
       </p:sp>
@@ -1084,38 +1081,37 @@
           <a:p>
             <a:pPr lvl="0"/>
             <a:r>
-              <a:rPr kumimoji="1" lang="zh-CN" altLang="en-US" smtClean="0"/>
+              <a:rPr kumimoji="1" lang="zh-CN" altLang="en-US"/>
               <a:t>单击此处编辑母版文本样式</a:t>
             </a:r>
           </a:p>
           <a:p>
             <a:pPr lvl="1"/>
             <a:r>
-              <a:rPr kumimoji="1" lang="zh-CN" altLang="en-US" smtClean="0"/>
+              <a:rPr kumimoji="1" lang="zh-CN" altLang="en-US"/>
               <a:t>二级</a:t>
             </a:r>
           </a:p>
           <a:p>
             <a:pPr lvl="2"/>
             <a:r>
-              <a:rPr kumimoji="1" lang="zh-CN" altLang="en-US" smtClean="0"/>
+              <a:rPr kumimoji="1" lang="zh-CN" altLang="en-US"/>
               <a:t>三级</a:t>
             </a:r>
           </a:p>
           <a:p>
             <a:pPr lvl="3"/>
             <a:r>
-              <a:rPr kumimoji="1" lang="zh-CN" altLang="en-US" smtClean="0"/>
+              <a:rPr kumimoji="1" lang="zh-CN" altLang="en-US"/>
               <a:t>四级</a:t>
             </a:r>
           </a:p>
           <a:p>
             <a:pPr lvl="4"/>
             <a:r>
-              <a:rPr kumimoji="1" lang="zh-CN" altLang="en-US" smtClean="0"/>
+              <a:rPr kumimoji="1" lang="zh-CN" altLang="en-US"/>
               <a:t>五级</a:t>
             </a:r>
-            <a:endParaRPr kumimoji="1" lang="zh-CN" altLang="en-US"/>
           </a:p>
         </p:txBody>
       </p:sp>
@@ -1136,7 +1132,7 @@
           <a:p>
             <a:fld id="{A4B1B849-C82F-E740-87C2-0BE2FF9640F5}" type="datetimeFigureOut">
               <a:rPr kumimoji="1" lang="zh-CN" altLang="en-US" smtClean="0"/>
-              <a:t>2020/5/7</a:t>
+              <a:t>2020/5/23</a:t>
             </a:fld>
             <a:endParaRPr kumimoji="1" lang="zh-CN" altLang="en-US"/>
           </a:p>
@@ -1230,10 +1226,9 @@
           <a:lstStyle/>
           <a:p>
             <a:r>
-              <a:rPr kumimoji="1" lang="zh-CN" altLang="en-US" smtClean="0"/>
+              <a:rPr kumimoji="1" lang="zh-CN" altLang="en-US"/>
               <a:t>单击此处编辑母版标题样式</a:t>
             </a:r>
-            <a:endParaRPr kumimoji="1" lang="zh-CN" altLang="en-US"/>
           </a:p>
         </p:txBody>
       </p:sp>
@@ -1254,38 +1249,37 @@
           <a:p>
             <a:pPr lvl="0"/>
             <a:r>
-              <a:rPr kumimoji="1" lang="zh-CN" altLang="en-US" smtClean="0"/>
+              <a:rPr kumimoji="1" lang="zh-CN" altLang="en-US"/>
               <a:t>单击此处编辑母版文本样式</a:t>
             </a:r>
           </a:p>
           <a:p>
             <a:pPr lvl="1"/>
             <a:r>
-              <a:rPr kumimoji="1" lang="zh-CN" altLang="en-US" smtClean="0"/>
+              <a:rPr kumimoji="1" lang="zh-CN" altLang="en-US"/>
               <a:t>二级</a:t>
             </a:r>
           </a:p>
           <a:p>
             <a:pPr lvl="2"/>
             <a:r>
-              <a:rPr kumimoji="1" lang="zh-CN" altLang="en-US" smtClean="0"/>
+              <a:rPr kumimoji="1" lang="zh-CN" altLang="en-US"/>
               <a:t>三级</a:t>
             </a:r>
           </a:p>
           <a:p>
             <a:pPr lvl="3"/>
             <a:r>
-              <a:rPr kumimoji="1" lang="zh-CN" altLang="en-US" smtClean="0"/>
+              <a:rPr kumimoji="1" lang="zh-CN" altLang="en-US"/>
               <a:t>四级</a:t>
             </a:r>
           </a:p>
           <a:p>
             <a:pPr lvl="4"/>
             <a:r>
-              <a:rPr kumimoji="1" lang="zh-CN" altLang="en-US" smtClean="0"/>
+              <a:rPr kumimoji="1" lang="zh-CN" altLang="en-US"/>
               <a:t>五级</a:t>
             </a:r>
-            <a:endParaRPr kumimoji="1" lang="zh-CN" altLang="en-US"/>
           </a:p>
         </p:txBody>
       </p:sp>
@@ -1306,7 +1300,7 @@
           <a:p>
             <a:fld id="{A4B1B849-C82F-E740-87C2-0BE2FF9640F5}" type="datetimeFigureOut">
               <a:rPr kumimoji="1" lang="zh-CN" altLang="en-US" smtClean="0"/>
-              <a:t>2020/5/7</a:t>
+              <a:t>2020/5/23</a:t>
             </a:fld>
             <a:endParaRPr kumimoji="1" lang="zh-CN" altLang="en-US"/>
           </a:p>
@@ -1409,10 +1403,9 @@
           </a:lstStyle>
           <a:p>
             <a:r>
-              <a:rPr kumimoji="1" lang="zh-CN" altLang="en-US" smtClean="0"/>
+              <a:rPr kumimoji="1" lang="zh-CN" altLang="en-US"/>
               <a:t>单击此处编辑母版标题样式</a:t>
             </a:r>
-            <a:endParaRPr kumimoji="1" lang="zh-CN" altLang="en-US"/>
           </a:p>
         </p:txBody>
       </p:sp>
@@ -1529,7 +1522,7 @@
           <a:p>
             <a:pPr lvl="0"/>
             <a:r>
-              <a:rPr kumimoji="1" lang="zh-CN" altLang="en-US" smtClean="0"/>
+              <a:rPr kumimoji="1" lang="zh-CN" altLang="en-US"/>
               <a:t>单击此处编辑母版文本样式</a:t>
             </a:r>
           </a:p>
@@ -1552,7 +1545,7 @@
           <a:p>
             <a:fld id="{A4B1B849-C82F-E740-87C2-0BE2FF9640F5}" type="datetimeFigureOut">
               <a:rPr kumimoji="1" lang="zh-CN" altLang="en-US" smtClean="0"/>
-              <a:t>2020/5/7</a:t>
+              <a:t>2020/5/23</a:t>
             </a:fld>
             <a:endParaRPr kumimoji="1" lang="zh-CN" altLang="en-US"/>
           </a:p>
@@ -1646,10 +1639,9 @@
           <a:lstStyle/>
           <a:p>
             <a:r>
-              <a:rPr kumimoji="1" lang="zh-CN" altLang="en-US" smtClean="0"/>
+              <a:rPr kumimoji="1" lang="zh-CN" altLang="en-US"/>
               <a:t>单击此处编辑母版标题样式</a:t>
             </a:r>
-            <a:endParaRPr kumimoji="1" lang="zh-CN" altLang="en-US"/>
           </a:p>
         </p:txBody>
       </p:sp>
@@ -1675,38 +1667,37 @@
           <a:p>
             <a:pPr lvl="0"/>
             <a:r>
-              <a:rPr kumimoji="1" lang="zh-CN" altLang="en-US" smtClean="0"/>
+              <a:rPr kumimoji="1" lang="zh-CN" altLang="en-US"/>
               <a:t>单击此处编辑母版文本样式</a:t>
             </a:r>
           </a:p>
           <a:p>
             <a:pPr lvl="1"/>
             <a:r>
-              <a:rPr kumimoji="1" lang="zh-CN" altLang="en-US" smtClean="0"/>
+              <a:rPr kumimoji="1" lang="zh-CN" altLang="en-US"/>
               <a:t>二级</a:t>
             </a:r>
           </a:p>
           <a:p>
             <a:pPr lvl="2"/>
             <a:r>
-              <a:rPr kumimoji="1" lang="zh-CN" altLang="en-US" smtClean="0"/>
+              <a:rPr kumimoji="1" lang="zh-CN" altLang="en-US"/>
               <a:t>三级</a:t>
             </a:r>
           </a:p>
           <a:p>
             <a:pPr lvl="3"/>
             <a:r>
-              <a:rPr kumimoji="1" lang="zh-CN" altLang="en-US" smtClean="0"/>
+              <a:rPr kumimoji="1" lang="zh-CN" altLang="en-US"/>
               <a:t>四级</a:t>
             </a:r>
           </a:p>
           <a:p>
             <a:pPr lvl="4"/>
             <a:r>
-              <a:rPr kumimoji="1" lang="zh-CN" altLang="en-US" smtClean="0"/>
+              <a:rPr kumimoji="1" lang="zh-CN" altLang="en-US"/>
               <a:t>五级</a:t>
             </a:r>
-            <a:endParaRPr kumimoji="1" lang="zh-CN" altLang="en-US"/>
           </a:p>
         </p:txBody>
       </p:sp>
@@ -1732,38 +1723,37 @@
           <a:p>
             <a:pPr lvl="0"/>
             <a:r>
-              <a:rPr kumimoji="1" lang="zh-CN" altLang="en-US" smtClean="0"/>
+              <a:rPr kumimoji="1" lang="zh-CN" altLang="en-US"/>
               <a:t>单击此处编辑母版文本样式</a:t>
             </a:r>
           </a:p>
           <a:p>
             <a:pPr lvl="1"/>
             <a:r>
-              <a:rPr kumimoji="1" lang="zh-CN" altLang="en-US" smtClean="0"/>
+              <a:rPr kumimoji="1" lang="zh-CN" altLang="en-US"/>
               <a:t>二级</a:t>
             </a:r>
           </a:p>
           <a:p>
             <a:pPr lvl="2"/>
             <a:r>
-              <a:rPr kumimoji="1" lang="zh-CN" altLang="en-US" smtClean="0"/>
+              <a:rPr kumimoji="1" lang="zh-CN" altLang="en-US"/>
               <a:t>三级</a:t>
             </a:r>
           </a:p>
           <a:p>
             <a:pPr lvl="3"/>
             <a:r>
-              <a:rPr kumimoji="1" lang="zh-CN" altLang="en-US" smtClean="0"/>
+              <a:rPr kumimoji="1" lang="zh-CN" altLang="en-US"/>
               <a:t>四级</a:t>
             </a:r>
           </a:p>
           <a:p>
             <a:pPr lvl="4"/>
             <a:r>
-              <a:rPr kumimoji="1" lang="zh-CN" altLang="en-US" smtClean="0"/>
+              <a:rPr kumimoji="1" lang="zh-CN" altLang="en-US"/>
               <a:t>五级</a:t>
             </a:r>
-            <a:endParaRPr kumimoji="1" lang="zh-CN" altLang="en-US"/>
           </a:p>
         </p:txBody>
       </p:sp>
@@ -1784,7 +1774,7 @@
           <a:p>
             <a:fld id="{A4B1B849-C82F-E740-87C2-0BE2FF9640F5}" type="datetimeFigureOut">
               <a:rPr kumimoji="1" lang="zh-CN" altLang="en-US" smtClean="0"/>
-              <a:t>2020/5/7</a:t>
+              <a:t>2020/5/23</a:t>
             </a:fld>
             <a:endParaRPr kumimoji="1" lang="zh-CN" altLang="en-US"/>
           </a:p>
@@ -1883,10 +1873,9 @@
           <a:lstStyle/>
           <a:p>
             <a:r>
-              <a:rPr kumimoji="1" lang="zh-CN" altLang="en-US" smtClean="0"/>
+              <a:rPr kumimoji="1" lang="zh-CN" altLang="en-US"/>
               <a:t>单击此处编辑母版标题样式</a:t>
             </a:r>
-            <a:endParaRPr kumimoji="1" lang="zh-CN" altLang="en-US"/>
           </a:p>
         </p:txBody>
       </p:sp>
@@ -1949,7 +1938,7 @@
           <a:p>
             <a:pPr lvl="0"/>
             <a:r>
-              <a:rPr kumimoji="1" lang="zh-CN" altLang="en-US" smtClean="0"/>
+              <a:rPr kumimoji="1" lang="zh-CN" altLang="en-US"/>
               <a:t>单击此处编辑母版文本样式</a:t>
             </a:r>
           </a:p>
@@ -1977,38 +1966,37 @@
           <a:p>
             <a:pPr lvl="0"/>
             <a:r>
-              <a:rPr kumimoji="1" lang="zh-CN" altLang="en-US" smtClean="0"/>
+              <a:rPr kumimoji="1" lang="zh-CN" altLang="en-US"/>
               <a:t>单击此处编辑母版文本样式</a:t>
             </a:r>
           </a:p>
           <a:p>
             <a:pPr lvl="1"/>
             <a:r>
-              <a:rPr kumimoji="1" lang="zh-CN" altLang="en-US" smtClean="0"/>
+              <a:rPr kumimoji="1" lang="zh-CN" altLang="en-US"/>
               <a:t>二级</a:t>
             </a:r>
           </a:p>
           <a:p>
             <a:pPr lvl="2"/>
             <a:r>
-              <a:rPr kumimoji="1" lang="zh-CN" altLang="en-US" smtClean="0"/>
+              <a:rPr kumimoji="1" lang="zh-CN" altLang="en-US"/>
               <a:t>三级</a:t>
             </a:r>
           </a:p>
           <a:p>
             <a:pPr lvl="3"/>
             <a:r>
-              <a:rPr kumimoji="1" lang="zh-CN" altLang="en-US" smtClean="0"/>
+              <a:rPr kumimoji="1" lang="zh-CN" altLang="en-US"/>
               <a:t>四级</a:t>
             </a:r>
           </a:p>
           <a:p>
             <a:pPr lvl="4"/>
             <a:r>
-              <a:rPr kumimoji="1" lang="zh-CN" altLang="en-US" smtClean="0"/>
+              <a:rPr kumimoji="1" lang="zh-CN" altLang="en-US"/>
               <a:t>五级</a:t>
             </a:r>
-            <a:endParaRPr kumimoji="1" lang="zh-CN" altLang="en-US"/>
           </a:p>
         </p:txBody>
       </p:sp>
@@ -2071,7 +2059,7 @@
           <a:p>
             <a:pPr lvl="0"/>
             <a:r>
-              <a:rPr kumimoji="1" lang="zh-CN" altLang="en-US" smtClean="0"/>
+              <a:rPr kumimoji="1" lang="zh-CN" altLang="en-US"/>
               <a:t>单击此处编辑母版文本样式</a:t>
             </a:r>
           </a:p>
@@ -2099,38 +2087,37 @@
           <a:p>
             <a:pPr lvl="0"/>
             <a:r>
-              <a:rPr kumimoji="1" lang="zh-CN" altLang="en-US" smtClean="0"/>
+              <a:rPr kumimoji="1" lang="zh-CN" altLang="en-US"/>
               <a:t>单击此处编辑母版文本样式</a:t>
             </a:r>
           </a:p>
           <a:p>
             <a:pPr lvl="1"/>
             <a:r>
-              <a:rPr kumimoji="1" lang="zh-CN" altLang="en-US" smtClean="0"/>
+              <a:rPr kumimoji="1" lang="zh-CN" altLang="en-US"/>
               <a:t>二级</a:t>
             </a:r>
           </a:p>
           <a:p>
             <a:pPr lvl="2"/>
             <a:r>
-              <a:rPr kumimoji="1" lang="zh-CN" altLang="en-US" smtClean="0"/>
+              <a:rPr kumimoji="1" lang="zh-CN" altLang="en-US"/>
               <a:t>三级</a:t>
             </a:r>
           </a:p>
           <a:p>
             <a:pPr lvl="3"/>
             <a:r>
-              <a:rPr kumimoji="1" lang="zh-CN" altLang="en-US" smtClean="0"/>
+              <a:rPr kumimoji="1" lang="zh-CN" altLang="en-US"/>
               <a:t>四级</a:t>
             </a:r>
           </a:p>
           <a:p>
             <a:pPr lvl="4"/>
             <a:r>
-              <a:rPr kumimoji="1" lang="zh-CN" altLang="en-US" smtClean="0"/>
+              <a:rPr kumimoji="1" lang="zh-CN" altLang="en-US"/>
               <a:t>五级</a:t>
             </a:r>
-            <a:endParaRPr kumimoji="1" lang="zh-CN" altLang="en-US"/>
           </a:p>
         </p:txBody>
       </p:sp>
@@ -2151,7 +2138,7 @@
           <a:p>
             <a:fld id="{A4B1B849-C82F-E740-87C2-0BE2FF9640F5}" type="datetimeFigureOut">
               <a:rPr kumimoji="1" lang="zh-CN" altLang="en-US" smtClean="0"/>
-              <a:t>2020/5/7</a:t>
+              <a:t>2020/5/23</a:t>
             </a:fld>
             <a:endParaRPr kumimoji="1" lang="zh-CN" altLang="en-US"/>
           </a:p>
@@ -2245,10 +2232,9 @@
           <a:lstStyle/>
           <a:p>
             <a:r>
-              <a:rPr kumimoji="1" lang="zh-CN" altLang="en-US" smtClean="0"/>
+              <a:rPr kumimoji="1" lang="zh-CN" altLang="en-US"/>
               <a:t>单击此处编辑母版标题样式</a:t>
             </a:r>
-            <a:endParaRPr kumimoji="1" lang="zh-CN" altLang="en-US"/>
           </a:p>
         </p:txBody>
       </p:sp>
@@ -2269,7 +2255,7 @@
           <a:p>
             <a:fld id="{A4B1B849-C82F-E740-87C2-0BE2FF9640F5}" type="datetimeFigureOut">
               <a:rPr kumimoji="1" lang="zh-CN" altLang="en-US" smtClean="0"/>
-              <a:t>2020/5/7</a:t>
+              <a:t>2020/5/23</a:t>
             </a:fld>
             <a:endParaRPr kumimoji="1" lang="zh-CN" altLang="en-US"/>
           </a:p>
@@ -2364,7 +2350,7 @@
           <a:p>
             <a:fld id="{A4B1B849-C82F-E740-87C2-0BE2FF9640F5}" type="datetimeFigureOut">
               <a:rPr kumimoji="1" lang="zh-CN" altLang="en-US" smtClean="0"/>
-              <a:t>2020/5/7</a:t>
+              <a:t>2020/5/23</a:t>
             </a:fld>
             <a:endParaRPr kumimoji="1" lang="zh-CN" altLang="en-US"/>
           </a:p>
@@ -2467,10 +2453,9 @@
           </a:lstStyle>
           <a:p>
             <a:r>
-              <a:rPr kumimoji="1" lang="zh-CN" altLang="en-US" smtClean="0"/>
+              <a:rPr kumimoji="1" lang="zh-CN" altLang="en-US"/>
               <a:t>单击此处编辑母版标题样式</a:t>
             </a:r>
-            <a:endParaRPr kumimoji="1" lang="zh-CN" altLang="en-US"/>
           </a:p>
         </p:txBody>
       </p:sp>
@@ -2524,38 +2509,37 @@
           <a:p>
             <a:pPr lvl="0"/>
             <a:r>
-              <a:rPr kumimoji="1" lang="zh-CN" altLang="en-US" smtClean="0"/>
+              <a:rPr kumimoji="1" lang="zh-CN" altLang="en-US"/>
               <a:t>单击此处编辑母版文本样式</a:t>
             </a:r>
           </a:p>
           <a:p>
             <a:pPr lvl="1"/>
             <a:r>
-              <a:rPr kumimoji="1" lang="zh-CN" altLang="en-US" smtClean="0"/>
+              <a:rPr kumimoji="1" lang="zh-CN" altLang="en-US"/>
               <a:t>二级</a:t>
             </a:r>
           </a:p>
           <a:p>
             <a:pPr lvl="2"/>
             <a:r>
-              <a:rPr kumimoji="1" lang="zh-CN" altLang="en-US" smtClean="0"/>
+              <a:rPr kumimoji="1" lang="zh-CN" altLang="en-US"/>
               <a:t>三级</a:t>
             </a:r>
           </a:p>
           <a:p>
             <a:pPr lvl="3"/>
             <a:r>
-              <a:rPr kumimoji="1" lang="zh-CN" altLang="en-US" smtClean="0"/>
+              <a:rPr kumimoji="1" lang="zh-CN" altLang="en-US"/>
               <a:t>四级</a:t>
             </a:r>
           </a:p>
           <a:p>
             <a:pPr lvl="4"/>
             <a:r>
-              <a:rPr kumimoji="1" lang="zh-CN" altLang="en-US" smtClean="0"/>
+              <a:rPr kumimoji="1" lang="zh-CN" altLang="en-US"/>
               <a:t>五级</a:t>
             </a:r>
-            <a:endParaRPr kumimoji="1" lang="zh-CN" altLang="en-US"/>
           </a:p>
         </p:txBody>
       </p:sp>
@@ -2618,7 +2602,7 @@
           <a:p>
             <a:pPr lvl="0"/>
             <a:r>
-              <a:rPr kumimoji="1" lang="zh-CN" altLang="en-US" smtClean="0"/>
+              <a:rPr kumimoji="1" lang="zh-CN" altLang="en-US"/>
               <a:t>单击此处编辑母版文本样式</a:t>
             </a:r>
           </a:p>
@@ -2641,7 +2625,7 @@
           <a:p>
             <a:fld id="{A4B1B849-C82F-E740-87C2-0BE2FF9640F5}" type="datetimeFigureOut">
               <a:rPr kumimoji="1" lang="zh-CN" altLang="en-US" smtClean="0"/>
-              <a:t>2020/5/7</a:t>
+              <a:t>2020/5/23</a:t>
             </a:fld>
             <a:endParaRPr kumimoji="1" lang="zh-CN" altLang="en-US"/>
           </a:p>
@@ -2744,10 +2728,9 @@
           </a:lstStyle>
           <a:p>
             <a:r>
-              <a:rPr kumimoji="1" lang="zh-CN" altLang="en-US" smtClean="0"/>
+              <a:rPr kumimoji="1" lang="zh-CN" altLang="en-US"/>
               <a:t>单击此处编辑母版标题样式</a:t>
             </a:r>
-            <a:endParaRPr kumimoji="1" lang="zh-CN" altLang="en-US"/>
           </a:p>
         </p:txBody>
       </p:sp>
@@ -2871,7 +2854,7 @@
           <a:p>
             <a:pPr lvl="0"/>
             <a:r>
-              <a:rPr kumimoji="1" lang="zh-CN" altLang="en-US" smtClean="0"/>
+              <a:rPr kumimoji="1" lang="zh-CN" altLang="en-US"/>
               <a:t>单击此处编辑母版文本样式</a:t>
             </a:r>
           </a:p>
@@ -2894,7 +2877,7 @@
           <a:p>
             <a:fld id="{A4B1B849-C82F-E740-87C2-0BE2FF9640F5}" type="datetimeFigureOut">
               <a:rPr kumimoji="1" lang="zh-CN" altLang="en-US" smtClean="0"/>
-              <a:t>2020/5/7</a:t>
+              <a:t>2020/5/23</a:t>
             </a:fld>
             <a:endParaRPr kumimoji="1" lang="zh-CN" altLang="en-US"/>
           </a:p>
@@ -3003,10 +2986,9 @@
           <a:lstStyle/>
           <a:p>
             <a:r>
-              <a:rPr kumimoji="1" lang="zh-CN" altLang="en-US" smtClean="0"/>
+              <a:rPr kumimoji="1" lang="zh-CN" altLang="en-US"/>
               <a:t>单击此处编辑母版标题样式</a:t>
             </a:r>
-            <a:endParaRPr kumimoji="1" lang="zh-CN" altLang="en-US"/>
           </a:p>
         </p:txBody>
       </p:sp>
@@ -3037,38 +3019,37 @@
           <a:p>
             <a:pPr lvl="0"/>
             <a:r>
-              <a:rPr kumimoji="1" lang="zh-CN" altLang="en-US" smtClean="0"/>
+              <a:rPr kumimoji="1" lang="zh-CN" altLang="en-US"/>
               <a:t>单击此处编辑母版文本样式</a:t>
             </a:r>
           </a:p>
           <a:p>
             <a:pPr lvl="1"/>
             <a:r>
-              <a:rPr kumimoji="1" lang="zh-CN" altLang="en-US" smtClean="0"/>
+              <a:rPr kumimoji="1" lang="zh-CN" altLang="en-US"/>
               <a:t>二级</a:t>
             </a:r>
           </a:p>
           <a:p>
             <a:pPr lvl="2"/>
             <a:r>
-              <a:rPr kumimoji="1" lang="zh-CN" altLang="en-US" smtClean="0"/>
+              <a:rPr kumimoji="1" lang="zh-CN" altLang="en-US"/>
               <a:t>三级</a:t>
             </a:r>
           </a:p>
           <a:p>
             <a:pPr lvl="3"/>
             <a:r>
-              <a:rPr kumimoji="1" lang="zh-CN" altLang="en-US" smtClean="0"/>
+              <a:rPr kumimoji="1" lang="zh-CN" altLang="en-US"/>
               <a:t>四级</a:t>
             </a:r>
           </a:p>
           <a:p>
             <a:pPr lvl="4"/>
             <a:r>
-              <a:rPr kumimoji="1" lang="zh-CN" altLang="en-US" smtClean="0"/>
+              <a:rPr kumimoji="1" lang="zh-CN" altLang="en-US"/>
               <a:t>五级</a:t>
             </a:r>
-            <a:endParaRPr kumimoji="1" lang="zh-CN" altLang="en-US"/>
           </a:p>
         </p:txBody>
       </p:sp>
@@ -3107,7 +3088,7 @@
           <a:p>
             <a:fld id="{A4B1B849-C82F-E740-87C2-0BE2FF9640F5}" type="datetimeFigureOut">
               <a:rPr kumimoji="1" lang="zh-CN" altLang="en-US" smtClean="0"/>
-              <a:t>2020/5/7</a:t>
+              <a:t>2020/5/23</a:t>
             </a:fld>
             <a:endParaRPr kumimoji="1" lang="zh-CN" altLang="en-US"/>
           </a:p>
@@ -3528,7 +3509,7 @@
           <a:lstStyle/>
           <a:p>
             <a:r>
-              <a:rPr kumimoji="1" lang="en-US" altLang="zh-CN" b="1" dirty="0" smtClean="0">
+              <a:rPr kumimoji="1" lang="en-US" altLang="zh-CN" b="1" dirty="0">
                 <a:solidFill>
                   <a:srgbClr val="FF0000"/>
                 </a:solidFill>
@@ -3559,18 +3540,18 @@
           <a:lstStyle/>
           <a:p>
             <a:r>
-              <a:rPr kumimoji="1" lang="en-US" altLang="zh-CN" dirty="0" smtClean="0"/>
+              <a:rPr kumimoji="1" lang="en-US" altLang="zh-CN" dirty="0"/>
               <a:t>Wen </a:t>
             </a:r>
             <a:r>
-              <a:rPr kumimoji="1" lang="en-US" altLang="zh-CN" dirty="0" err="1" smtClean="0"/>
+              <a:rPr kumimoji="1" lang="en-US" altLang="zh-CN" dirty="0" err="1"/>
               <a:t>Hongwei</a:t>
             </a:r>
-            <a:endParaRPr kumimoji="1" lang="en-US" altLang="zh-CN" dirty="0" smtClean="0"/>
-          </a:p>
-          <a:p>
-            <a:r>
-              <a:rPr kumimoji="1" lang="en-US" altLang="zh-CN" dirty="0" smtClean="0"/>
+            <a:endParaRPr kumimoji="1" lang="en-US" altLang="zh-CN" dirty="0"/>
+          </a:p>
+          <a:p>
+            <a:r>
+              <a:rPr kumimoji="1" lang="en-US" altLang="zh-CN" dirty="0"/>
               <a:t>2020,5,8</a:t>
             </a:r>
             <a:endParaRPr kumimoji="1" lang="zh-CN" altLang="en-US" dirty="0"/>
@@ -3587,13 +3568,6 @@
   <p:clrMapOvr>
     <a:masterClrMapping/>
   </p:clrMapOvr>
-  <p:timing>
-    <p:tnLst>
-      <p:par>
-        <p:cTn id="1" dur="indefinite" restart="never" nodeType="tmRoot"/>
-      </p:par>
-    </p:tnLst>
-  </p:timing>
 </p:sld>
 </file>
 
@@ -3630,23 +3604,15 @@
           <a:lstStyle/>
           <a:p>
             <a:r>
-              <a:rPr kumimoji="1" lang="en-US" altLang="zh-CN" dirty="0" smtClean="0"/>
-              <a:t>Data </a:t>
-            </a:r>
-            <a:r>
-              <a:rPr kumimoji="1" lang="en-US" altLang="zh-CN" dirty="0"/>
-              <a:t>Exploring:</a:t>
+              <a:rPr kumimoji="1" lang="en-US" altLang="zh-CN" dirty="0"/>
+              <a:t>Data Exploring:</a:t>
             </a:r>
             <a:br>
               <a:rPr kumimoji="1" lang="en-US" altLang="zh-CN" dirty="0"/>
             </a:br>
             <a:r>
               <a:rPr kumimoji="1" lang="en-US" altLang="zh-CN" sz="2800" dirty="0"/>
-              <a:t> Figure measurement of two </a:t>
-            </a:r>
-            <a:r>
-              <a:rPr kumimoji="1" lang="en-US" altLang="zh-CN" sz="2800" dirty="0" smtClean="0"/>
-              <a:t>detectors(QCM10 &amp; QCM3):</a:t>
+              <a:t> Figure measurement of two detectors(QCM10 &amp; QCM3):</a:t>
             </a:r>
             <a:endParaRPr kumimoji="1" lang="zh-CN" altLang="en-US" sz="2800" dirty="0"/>
           </a:p>
@@ -3691,13 +3657,6 @@
   <p:clrMapOvr>
     <a:masterClrMapping/>
   </p:clrMapOvr>
-  <p:timing>
-    <p:tnLst>
-      <p:par>
-        <p:cTn id="1" dur="indefinite" restart="never" nodeType="tmRoot"/>
-      </p:par>
-    </p:tnLst>
-  </p:timing>
 </p:sld>
 </file>
 
@@ -3763,16 +3722,12 @@
           <a:p>
             <a:r>
               <a:rPr kumimoji="1" lang="en-US" altLang="zh-CN" dirty="0"/>
-              <a:t>The trends between QCM10 and QCM3 detectors are similar</a:t>
-            </a:r>
-            <a:r>
-              <a:rPr kumimoji="1" lang="en-US" altLang="zh-CN" dirty="0" smtClean="0"/>
-              <a:t>.</a:t>
-            </a:r>
-          </a:p>
-          <a:p>
-            <a:r>
-              <a:rPr kumimoji="1" lang="en-US" altLang="zh-CN" dirty="0" smtClean="0">
+              <a:t>The trends between QCM10 and QCM3 detectors are similar.</a:t>
+            </a:r>
+          </a:p>
+          <a:p>
+            <a:r>
+              <a:rPr kumimoji="1" lang="en-US" altLang="zh-CN" dirty="0">
                 <a:solidFill>
                   <a:srgbClr val="FF0000"/>
                 </a:solidFill>
@@ -3785,50 +3740,18 @@
           </a:p>
           <a:p>
             <a:r>
-              <a:rPr kumimoji="1" lang="en-US" altLang="zh-CN" dirty="0" smtClean="0"/>
-              <a:t>Distinct measurement </a:t>
-            </a:r>
-            <a:r>
-              <a:rPr kumimoji="1" lang="en-US" altLang="zh-CN" dirty="0"/>
-              <a:t>between different types of </a:t>
-            </a:r>
-            <a:r>
-              <a:rPr kumimoji="1" lang="en-US" altLang="zh-CN" dirty="0" smtClean="0"/>
-              <a:t>alcohol </a:t>
-            </a:r>
-            <a:r>
-              <a:rPr kumimoji="1" lang="en-US" altLang="zh-CN" dirty="0"/>
-              <a:t>gives detectors chance to classify correctly</a:t>
-            </a:r>
-            <a:r>
-              <a:rPr kumimoji="1" lang="en-US" altLang="zh-CN" dirty="0" smtClean="0"/>
-              <a:t>.</a:t>
-            </a:r>
-          </a:p>
-          <a:p>
-            <a:r>
-              <a:rPr kumimoji="1" lang="en-US" altLang="zh-CN" dirty="0" smtClean="0">
-                <a:solidFill>
-                  <a:srgbClr val="FF0000"/>
-                </a:solidFill>
-              </a:rPr>
-              <a:t>Integrate </a:t>
-            </a:r>
+              <a:rPr kumimoji="1" lang="en-US" altLang="zh-CN" dirty="0"/>
+              <a:t>Distinct measurement between different types of alcohol gives detectors chance to classify correctly.</a:t>
+            </a:r>
+          </a:p>
+          <a:p>
             <a:r>
               <a:rPr kumimoji="1" lang="en-US" altLang="zh-CN" dirty="0">
                 <a:solidFill>
                   <a:srgbClr val="FF0000"/>
                 </a:solidFill>
               </a:rPr>
-              <a:t>QCM </a:t>
-            </a:r>
-            <a:r>
-              <a:rPr kumimoji="1" lang="en-US" altLang="zh-CN" dirty="0" smtClean="0">
-                <a:solidFill>
-                  <a:srgbClr val="FF0000"/>
-                </a:solidFill>
-              </a:rPr>
-              <a:t>data maybe leads to better classification.</a:t>
+              <a:t>Integrate QCM data maybe leads to better classification.</a:t>
             </a:r>
             <a:endParaRPr kumimoji="1" lang="zh-CN" altLang="en-US" dirty="0">
               <a:solidFill>
@@ -3848,13 +3771,6 @@
   <p:clrMapOvr>
     <a:masterClrMapping/>
   </p:clrMapOvr>
-  <p:timing>
-    <p:tnLst>
-      <p:par>
-        <p:cTn id="1" dur="indefinite" restart="never" nodeType="tmRoot"/>
-      </p:par>
-    </p:tnLst>
-  </p:timing>
 </p:sld>
 </file>
 
@@ -3891,14 +3807,14 @@
           <a:lstStyle/>
           <a:p>
             <a:r>
-              <a:rPr kumimoji="1" lang="en-US" altLang="zh-CN" dirty="0" smtClean="0"/>
+              <a:rPr kumimoji="1" lang="en-US" altLang="zh-CN" dirty="0"/>
               <a:t>Models:</a:t>
             </a:r>
             <a:br>
-              <a:rPr kumimoji="1" lang="en-US" altLang="zh-CN" dirty="0" smtClean="0"/>
+              <a:rPr kumimoji="1" lang="en-US" altLang="zh-CN" dirty="0"/>
             </a:br>
             <a:r>
-              <a:rPr kumimoji="1" lang="en-US" altLang="zh-CN" sz="2800" dirty="0" smtClean="0"/>
+              <a:rPr kumimoji="1" lang="en-US" altLang="zh-CN" sz="2800" dirty="0"/>
               <a:t>Each detector has one model</a:t>
             </a:r>
             <a:endParaRPr kumimoji="1" lang="zh-CN" altLang="en-US" sz="2800" dirty="0"/>
@@ -3922,19 +3838,7 @@
           <a:p>
             <a:r>
               <a:rPr kumimoji="1" lang="en-US" altLang="zh-CN" dirty="0"/>
-              <a:t>For every </a:t>
-            </a:r>
-            <a:r>
-              <a:rPr kumimoji="1" lang="en-US" altLang="zh-CN" dirty="0" smtClean="0"/>
-              <a:t>QCM data, </a:t>
-            </a:r>
-            <a:r>
-              <a:rPr kumimoji="1" lang="en-US" altLang="zh-CN" dirty="0"/>
-              <a:t>we fit a random forest </a:t>
-            </a:r>
-            <a:r>
-              <a:rPr kumimoji="1" lang="en-US" altLang="zh-CN" dirty="0" smtClean="0"/>
-              <a:t>model</a:t>
+              <a:t>For every QCM data, we fit a random forest model</a:t>
             </a:r>
           </a:p>
           <a:p>
@@ -3942,7 +3846,7 @@
           </a:p>
           <a:p>
             <a:r>
-              <a:rPr kumimoji="1" lang="en-US" altLang="zh-CN" dirty="0" smtClean="0"/>
+              <a:rPr kumimoji="1" lang="en-US" altLang="zh-CN" dirty="0"/>
               <a:t>70/30 training/test data split</a:t>
             </a:r>
           </a:p>
@@ -3951,7 +3855,7 @@
           </a:p>
           <a:p>
             <a:r>
-              <a:rPr kumimoji="1" lang="en-US" altLang="zh-CN" dirty="0" smtClean="0"/>
+              <a:rPr kumimoji="1" lang="en-US" altLang="zh-CN" dirty="0"/>
               <a:t>Repeat 10 times</a:t>
             </a:r>
           </a:p>
@@ -3970,13 +3874,6 @@
   <p:clrMapOvr>
     <a:masterClrMapping/>
   </p:clrMapOvr>
-  <p:timing>
-    <p:tnLst>
-      <p:par>
-        <p:cTn id="1" dur="indefinite" restart="never" nodeType="tmRoot"/>
-      </p:par>
-    </p:tnLst>
-  </p:timing>
 </p:sld>
 </file>
 
@@ -4020,12 +3917,8 @@
               <a:rPr kumimoji="1" lang="en-US" altLang="zh-CN" dirty="0"/>
             </a:br>
             <a:r>
-              <a:rPr kumimoji="1" lang="en-US" altLang="zh-CN" sz="2800" dirty="0" smtClean="0"/>
-              <a:t>Each </a:t>
-            </a:r>
-            <a:r>
               <a:rPr kumimoji="1" lang="en-US" altLang="zh-CN" sz="2800" dirty="0"/>
-              <a:t>detector has one model</a:t>
+              <a:t>Each detector has one model</a:t>
             </a:r>
             <a:endParaRPr kumimoji="1" lang="zh-CN" altLang="en-US" sz="2800" dirty="0"/>
           </a:p>
@@ -4073,234 +3966,154 @@
               <a:rPr kumimoji="1" lang="de-DE" altLang="zh-CN" dirty="0"/>
               <a:t>)      </a:t>
             </a:r>
-            <a:endParaRPr kumimoji="1" lang="de-DE" altLang="zh-CN" dirty="0" smtClean="0"/>
-          </a:p>
-          <a:p>
-            <a:r>
-              <a:rPr kumimoji="1" lang="zh-CN" altLang="en-US" dirty="0" smtClean="0"/>
+          </a:p>
+          <a:p>
+            <a:r>
+              <a:rPr kumimoji="1" lang="zh-CN" altLang="en-US" dirty="0"/>
               <a:t>        </a:t>
             </a:r>
             <a:r>
-              <a:rPr kumimoji="1" lang="de-DE" altLang="zh-CN" dirty="0" smtClean="0"/>
+              <a:rPr kumimoji="1" lang="de-DE" altLang="zh-CN" dirty="0"/>
               <a:t>[,1] [,2] [,3]  [,4]  [,5] </a:t>
             </a:r>
           </a:p>
           <a:p>
             <a:r>
-              <a:rPr kumimoji="1" lang="de-DE" altLang="zh-CN" dirty="0" smtClean="0"/>
+              <a:rPr kumimoji="1" lang="de-DE" altLang="zh-CN" dirty="0"/>
               <a:t>[1,]    1    1    1 </a:t>
             </a:r>
             <a:r>
-              <a:rPr kumimoji="1" lang="zh-CN" altLang="en-US" dirty="0" smtClean="0"/>
+              <a:rPr kumimoji="1" lang="zh-CN" altLang="en-US" dirty="0"/>
               <a:t> </a:t>
             </a:r>
             <a:r>
-              <a:rPr kumimoji="1" lang="de-DE" altLang="zh-CN" dirty="0" smtClean="0"/>
+              <a:rPr kumimoji="1" lang="de-DE" altLang="zh-CN" dirty="0"/>
               <a:t>1.000 0.875 </a:t>
             </a:r>
           </a:p>
           <a:p>
             <a:r>
-              <a:rPr kumimoji="1" lang="de-DE" altLang="zh-CN" dirty="0" smtClean="0"/>
-              <a:t>[</a:t>
-            </a:r>
-            <a:r>
               <a:rPr kumimoji="1" lang="de-DE" altLang="zh-CN" dirty="0"/>
-              <a:t>2,]    1    1    1 </a:t>
-            </a:r>
-            <a:r>
-              <a:rPr kumimoji="1" lang="zh-CN" altLang="en-US" dirty="0" smtClean="0"/>
+              <a:t>[2,]    1    1    1 </a:t>
+            </a:r>
+            <a:r>
+              <a:rPr kumimoji="1" lang="zh-CN" altLang="en-US" dirty="0"/>
               <a:t> </a:t>
             </a:r>
             <a:r>
-              <a:rPr kumimoji="1" lang="de-DE" altLang="zh-CN" dirty="0" smtClean="0"/>
-              <a:t>1.000 </a:t>
-            </a:r>
-            <a:r>
               <a:rPr kumimoji="1" lang="de-DE" altLang="zh-CN" dirty="0"/>
-              <a:t>0.750 </a:t>
-            </a:r>
-            <a:endParaRPr kumimoji="1" lang="de-DE" altLang="zh-CN" dirty="0" smtClean="0"/>
-          </a:p>
-          <a:p>
-            <a:r>
-              <a:rPr kumimoji="1" lang="de-DE" altLang="zh-CN" dirty="0" smtClean="0"/>
-              <a:t>[</a:t>
-            </a:r>
+              <a:t>1.000 0.750 </a:t>
+            </a:r>
+          </a:p>
+          <a:p>
             <a:r>
               <a:rPr kumimoji="1" lang="de-DE" altLang="zh-CN" dirty="0"/>
-              <a:t>3,]    1    1    1 </a:t>
-            </a:r>
-            <a:r>
-              <a:rPr kumimoji="1" lang="zh-CN" altLang="en-US" dirty="0" smtClean="0"/>
+              <a:t>[3,]    1    1    1 </a:t>
+            </a:r>
+            <a:r>
+              <a:rPr kumimoji="1" lang="zh-CN" altLang="en-US" dirty="0"/>
               <a:t> </a:t>
             </a:r>
             <a:r>
-              <a:rPr kumimoji="1" lang="de-DE" altLang="zh-CN" dirty="0" smtClean="0"/>
-              <a:t>0.875 </a:t>
-            </a:r>
-            <a:r>
               <a:rPr kumimoji="1" lang="de-DE" altLang="zh-CN" dirty="0"/>
-              <a:t>0.875 </a:t>
-            </a:r>
-            <a:endParaRPr kumimoji="1" lang="de-DE" altLang="zh-CN" dirty="0" smtClean="0"/>
-          </a:p>
-          <a:p>
-            <a:r>
-              <a:rPr kumimoji="1" lang="de-DE" altLang="zh-CN" dirty="0" smtClean="0"/>
-              <a:t>[</a:t>
-            </a:r>
+              <a:t>0.875 0.875 </a:t>
+            </a:r>
+          </a:p>
+          <a:p>
             <a:r>
               <a:rPr kumimoji="1" lang="de-DE" altLang="zh-CN" dirty="0"/>
-              <a:t>4,]    1    1    1 </a:t>
-            </a:r>
-            <a:r>
-              <a:rPr kumimoji="1" lang="zh-CN" altLang="en-US" dirty="0" smtClean="0"/>
+              <a:t>[4,]    1    1    1 </a:t>
+            </a:r>
+            <a:r>
+              <a:rPr kumimoji="1" lang="zh-CN" altLang="en-US" dirty="0"/>
               <a:t> </a:t>
             </a:r>
             <a:r>
-              <a:rPr kumimoji="1" lang="de-DE" altLang="zh-CN" dirty="0" smtClean="0"/>
-              <a:t>1.000 </a:t>
-            </a:r>
-            <a:r>
               <a:rPr kumimoji="1" lang="de-DE" altLang="zh-CN" dirty="0"/>
-              <a:t>1.000 </a:t>
-            </a:r>
-            <a:endParaRPr kumimoji="1" lang="de-DE" altLang="zh-CN" dirty="0" smtClean="0"/>
-          </a:p>
-          <a:p>
-            <a:r>
-              <a:rPr kumimoji="1" lang="de-DE" altLang="zh-CN" dirty="0" smtClean="0"/>
-              <a:t>[</a:t>
-            </a:r>
+              <a:t>1.000 1.000 </a:t>
+            </a:r>
+          </a:p>
+          <a:p>
             <a:r>
               <a:rPr kumimoji="1" lang="de-DE" altLang="zh-CN" dirty="0"/>
-              <a:t>5,]    1    1    1 </a:t>
-            </a:r>
-            <a:r>
-              <a:rPr kumimoji="1" lang="zh-CN" altLang="en-US" dirty="0" smtClean="0"/>
+              <a:t>[5,]    1    1    1 </a:t>
+            </a:r>
+            <a:r>
+              <a:rPr kumimoji="1" lang="zh-CN" altLang="en-US" dirty="0"/>
               <a:t> </a:t>
             </a:r>
             <a:r>
-              <a:rPr kumimoji="1" lang="de-DE" altLang="zh-CN" dirty="0" smtClean="0"/>
-              <a:t>1.000 </a:t>
-            </a:r>
-            <a:r>
               <a:rPr kumimoji="1" lang="de-DE" altLang="zh-CN" dirty="0"/>
-              <a:t>1.000 </a:t>
-            </a:r>
-            <a:endParaRPr kumimoji="1" lang="de-DE" altLang="zh-CN" dirty="0" smtClean="0"/>
-          </a:p>
-          <a:p>
-            <a:r>
-              <a:rPr kumimoji="1" lang="de-DE" altLang="zh-CN" dirty="0" smtClean="0"/>
-              <a:t>[</a:t>
-            </a:r>
+              <a:t>1.000 1.000 </a:t>
+            </a:r>
+          </a:p>
+          <a:p>
             <a:r>
               <a:rPr kumimoji="1" lang="de-DE" altLang="zh-CN" dirty="0"/>
-              <a:t>6,]    1    1    1 </a:t>
-            </a:r>
-            <a:r>
-              <a:rPr kumimoji="1" lang="zh-CN" altLang="en-US" dirty="0" smtClean="0"/>
+              <a:t>[6,]    1    1    1 </a:t>
+            </a:r>
+            <a:r>
+              <a:rPr kumimoji="1" lang="zh-CN" altLang="en-US" dirty="0"/>
               <a:t> </a:t>
             </a:r>
             <a:r>
-              <a:rPr kumimoji="1" lang="de-DE" altLang="zh-CN" dirty="0" smtClean="0"/>
-              <a:t>1.000 </a:t>
-            </a:r>
-            <a:r>
               <a:rPr kumimoji="1" lang="de-DE" altLang="zh-CN" dirty="0"/>
-              <a:t>1.000 </a:t>
-            </a:r>
-            <a:endParaRPr kumimoji="1" lang="de-DE" altLang="zh-CN" dirty="0" smtClean="0"/>
-          </a:p>
-          <a:p>
-            <a:r>
-              <a:rPr kumimoji="1" lang="de-DE" altLang="zh-CN" dirty="0" smtClean="0"/>
-              <a:t>[</a:t>
-            </a:r>
+              <a:t>1.000 1.000 </a:t>
+            </a:r>
+          </a:p>
+          <a:p>
             <a:r>
               <a:rPr kumimoji="1" lang="de-DE" altLang="zh-CN" dirty="0"/>
-              <a:t>7,]    1    1    1 </a:t>
-            </a:r>
-            <a:r>
-              <a:rPr kumimoji="1" lang="zh-CN" altLang="en-US" dirty="0" smtClean="0"/>
+              <a:t>[7,]    1    1    1 </a:t>
+            </a:r>
+            <a:r>
+              <a:rPr kumimoji="1" lang="zh-CN" altLang="en-US" dirty="0"/>
               <a:t> </a:t>
             </a:r>
             <a:r>
-              <a:rPr kumimoji="1" lang="de-DE" altLang="zh-CN" dirty="0" smtClean="0"/>
-              <a:t>1.000 </a:t>
-            </a:r>
-            <a:r>
               <a:rPr kumimoji="1" lang="de-DE" altLang="zh-CN" dirty="0"/>
-              <a:t>1.000 </a:t>
-            </a:r>
-            <a:endParaRPr kumimoji="1" lang="de-DE" altLang="zh-CN" dirty="0" smtClean="0"/>
-          </a:p>
-          <a:p>
-            <a:r>
-              <a:rPr kumimoji="1" lang="de-DE" altLang="zh-CN" dirty="0" smtClean="0"/>
-              <a:t>[</a:t>
-            </a:r>
+              <a:t>1.000 1.000 </a:t>
+            </a:r>
+          </a:p>
+          <a:p>
             <a:r>
               <a:rPr kumimoji="1" lang="de-DE" altLang="zh-CN" dirty="0"/>
-              <a:t>8,]    1    1    1 </a:t>
-            </a:r>
-            <a:r>
-              <a:rPr kumimoji="1" lang="zh-CN" altLang="en-US" dirty="0" smtClean="0"/>
+              <a:t>[8,]    1    1    1 </a:t>
+            </a:r>
+            <a:r>
+              <a:rPr kumimoji="1" lang="zh-CN" altLang="en-US" dirty="0"/>
               <a:t> </a:t>
             </a:r>
             <a:r>
-              <a:rPr kumimoji="1" lang="de-DE" altLang="zh-CN" dirty="0" smtClean="0"/>
-              <a:t>1.000 </a:t>
-            </a:r>
-            <a:r>
               <a:rPr kumimoji="1" lang="de-DE" altLang="zh-CN" dirty="0"/>
-              <a:t>1.000 </a:t>
-            </a:r>
-            <a:endParaRPr kumimoji="1" lang="de-DE" altLang="zh-CN" dirty="0" smtClean="0"/>
-          </a:p>
-          <a:p>
-            <a:r>
-              <a:rPr kumimoji="1" lang="de-DE" altLang="zh-CN" dirty="0" smtClean="0"/>
-              <a:t>[</a:t>
-            </a:r>
+              <a:t>1.000 1.000 </a:t>
+            </a:r>
+          </a:p>
+          <a:p>
             <a:r>
               <a:rPr kumimoji="1" lang="de-DE" altLang="zh-CN" dirty="0"/>
-              <a:t>9,]    1    1    1 </a:t>
-            </a:r>
-            <a:r>
-              <a:rPr kumimoji="1" lang="zh-CN" altLang="en-US" dirty="0" smtClean="0"/>
+              <a:t>[9,]    1    1    1 </a:t>
+            </a:r>
+            <a:r>
+              <a:rPr kumimoji="1" lang="zh-CN" altLang="en-US" dirty="0"/>
               <a:t> </a:t>
             </a:r>
             <a:r>
-              <a:rPr kumimoji="1" lang="de-DE" altLang="zh-CN" dirty="0" smtClean="0"/>
+              <a:rPr kumimoji="1" lang="de-DE" altLang="zh-CN" dirty="0"/>
               <a:t>1.000 1.000</a:t>
             </a:r>
           </a:p>
           <a:p>
             <a:r>
-              <a:rPr kumimoji="1" lang="de-DE" altLang="zh-CN" dirty="0" smtClean="0"/>
-              <a:t>[</a:t>
-            </a:r>
-            <a:r>
               <a:rPr kumimoji="1" lang="de-DE" altLang="zh-CN" dirty="0"/>
-              <a:t>10,]  </a:t>
-            </a:r>
-            <a:r>
-              <a:rPr kumimoji="1" lang="de-DE" altLang="zh-CN" dirty="0" smtClean="0"/>
-              <a:t>1    </a:t>
+              <a:t>[10,]  1    1    1 </a:t>
+            </a:r>
+            <a:r>
+              <a:rPr kumimoji="1" lang="zh-CN" altLang="en-US" dirty="0"/>
+              <a:t> </a:t>
             </a:r>
             <a:r>
               <a:rPr kumimoji="1" lang="de-DE" altLang="zh-CN" dirty="0"/>
-              <a:t>1    1 </a:t>
-            </a:r>
-            <a:r>
-              <a:rPr kumimoji="1" lang="zh-CN" altLang="en-US" dirty="0" smtClean="0"/>
-              <a:t> </a:t>
-            </a:r>
-            <a:r>
-              <a:rPr kumimoji="1" lang="de-DE" altLang="zh-CN" dirty="0" smtClean="0"/>
               <a:t>1.000 1.000</a:t>
             </a:r>
           </a:p>
@@ -4316,13 +4129,6 @@
   <p:clrMapOvr>
     <a:masterClrMapping/>
   </p:clrMapOvr>
-  <p:timing>
-    <p:tnLst>
-      <p:par>
-        <p:cTn id="1" dur="indefinite" restart="never" nodeType="tmRoot"/>
-      </p:par>
-    </p:tnLst>
-  </p:timing>
 </p:sld>
 </file>
 
@@ -4359,7 +4165,7 @@
           <a:lstStyle/>
           <a:p>
             <a:r>
-              <a:rPr kumimoji="1" lang="en-US" altLang="zh-CN" dirty="0" smtClean="0"/>
+              <a:rPr kumimoji="1" lang="en-US" altLang="zh-CN" dirty="0"/>
               <a:t>Results Analysis &amp; New problem</a:t>
             </a:r>
             <a:endParaRPr kumimoji="1" lang="zh-CN" altLang="en-US" dirty="0"/>
@@ -4390,112 +4196,42 @@
           <a:p>
             <a:r>
               <a:rPr kumimoji="1" lang="en-US" altLang="zh-CN" dirty="0"/>
-              <a:t>Each column represents the </a:t>
-            </a:r>
-            <a:r>
-              <a:rPr kumimoji="1" lang="en-US" altLang="zh-CN" dirty="0" smtClean="0"/>
-              <a:t>classification </a:t>
-            </a:r>
-            <a:r>
-              <a:rPr kumimoji="1" lang="en-US" altLang="zh-CN" dirty="0"/>
-              <a:t>accuracy of one detector on test set. </a:t>
-            </a:r>
-            <a:endParaRPr kumimoji="1" lang="en-US" altLang="zh-CN" dirty="0" smtClean="0"/>
-          </a:p>
-          <a:p>
-            <a:r>
-              <a:rPr kumimoji="1" lang="en-US" altLang="zh-CN" dirty="0" smtClean="0"/>
-              <a:t>Three </a:t>
-            </a:r>
-            <a:r>
-              <a:rPr kumimoji="1" lang="en-US" altLang="zh-CN" dirty="0"/>
-              <a:t>QCM detectors(QCM10, QCM12, QCM3) achieve perfect prediction by its own random forest model. </a:t>
-            </a:r>
-            <a:endParaRPr kumimoji="1" lang="en-US" altLang="zh-CN" dirty="0" smtClean="0"/>
+              <a:t>Each column represents the classification accuracy of one detector on test set. </a:t>
+            </a:r>
+          </a:p>
+          <a:p>
+            <a:r>
+              <a:rPr kumimoji="1" lang="en-US" altLang="zh-CN" dirty="0"/>
+              <a:t>Three QCM detectors(QCM10, QCM12, QCM3) achieve perfect prediction by its own random forest model. </a:t>
+            </a:r>
           </a:p>
           <a:p>
             <a:endParaRPr kumimoji="1" lang="en-US" altLang="zh-CN" dirty="0"/>
           </a:p>
           <a:p>
             <a:r>
-              <a:rPr kumimoji="1" lang="en-US" altLang="zh-CN" dirty="0" smtClean="0"/>
-              <a:t>The </a:t>
-            </a:r>
-            <a:r>
-              <a:rPr kumimoji="1" lang="en-US" altLang="zh-CN" dirty="0"/>
-              <a:t>results appear to be satisfying, </a:t>
-            </a:r>
-            <a:r>
-              <a:rPr kumimoji="1" lang="en-US" altLang="zh-CN" dirty="0" smtClean="0"/>
-              <a:t>but there are two problems.</a:t>
-            </a:r>
-          </a:p>
-          <a:p>
-            <a:r>
-              <a:rPr kumimoji="1" lang="en-US" altLang="zh-CN" dirty="0" smtClean="0">
-                <a:solidFill>
-                  <a:srgbClr val="FF0000"/>
-                </a:solidFill>
-              </a:rPr>
-              <a:t>Q1:  One </a:t>
-            </a:r>
+              <a:rPr kumimoji="1" lang="en-US" altLang="zh-CN" dirty="0"/>
+              <a:t>The results appear to be satisfying, but there are two problems.</a:t>
+            </a:r>
+          </a:p>
+          <a:p>
             <a:r>
               <a:rPr kumimoji="1" lang="en-US" altLang="zh-CN" dirty="0">
                 <a:solidFill>
                   <a:srgbClr val="FF0000"/>
                 </a:solidFill>
               </a:rPr>
-              <a:t>model to </a:t>
-            </a:r>
-            <a:r>
-              <a:rPr kumimoji="1" lang="en-US" altLang="zh-CN" dirty="0" smtClean="0">
-                <a:solidFill>
-                  <a:srgbClr val="FF0000"/>
-                </a:solidFill>
-              </a:rPr>
-              <a:t>predict five dataset. (Five models are inconvenient) </a:t>
-            </a:r>
-          </a:p>
-          <a:p>
-            <a:r>
-              <a:rPr kumimoji="1" lang="en-US" altLang="zh-CN" dirty="0" smtClean="0">
-                <a:solidFill>
-                  <a:srgbClr val="FF0000"/>
-                </a:solidFill>
-              </a:rPr>
-              <a:t>Q2: If new </a:t>
-            </a:r>
+              <a:t>Q1:  One model to predict five dataset. (Five models are inconvenient) </a:t>
+            </a:r>
+          </a:p>
+          <a:p>
             <a:r>
               <a:rPr kumimoji="1" lang="en-US" altLang="zh-CN" dirty="0">
                 <a:solidFill>
                   <a:srgbClr val="FF0000"/>
                 </a:solidFill>
               </a:rPr>
-              <a:t>data is from other QCM detector, not any of the five </a:t>
-            </a:r>
-            <a:r>
-              <a:rPr kumimoji="1" lang="en-US" altLang="zh-CN" dirty="0" smtClean="0">
-                <a:solidFill>
-                  <a:srgbClr val="FF0000"/>
-                </a:solidFill>
-              </a:rPr>
-              <a:t>we </a:t>
-            </a:r>
-            <a:r>
-              <a:rPr kumimoji="1" lang="en-US" altLang="zh-CN" dirty="0">
-                <a:solidFill>
-                  <a:srgbClr val="FF0000"/>
-                </a:solidFill>
-              </a:rPr>
-              <a:t>studied </a:t>
-            </a:r>
-            <a:r>
-              <a:rPr kumimoji="1" lang="en-US" altLang="zh-CN" dirty="0" smtClean="0">
-                <a:solidFill>
-                  <a:srgbClr val="FF0000"/>
-                </a:solidFill>
-              </a:rPr>
-              <a:t>here, how can we classify?</a:t>
+              <a:t>Q2: If new data is from other QCM detector, not any of the five we studied here, how can we classify?</a:t>
             </a:r>
             <a:endParaRPr kumimoji="1" lang="zh-CN" altLang="en-US" dirty="0">
               <a:solidFill>
@@ -4515,13 +4251,6 @@
   <p:clrMapOvr>
     <a:masterClrMapping/>
   </p:clrMapOvr>
-  <p:timing>
-    <p:tnLst>
-      <p:par>
-        <p:cTn id="1" dur="indefinite" restart="never" nodeType="tmRoot"/>
-      </p:par>
-    </p:tnLst>
-  </p:timing>
 </p:sld>
 </file>
 
@@ -4564,14 +4293,6 @@
           </a:bodyPr>
           <a:lstStyle/>
           <a:p>
-            <a:r>
-              <a:rPr kumimoji="1" lang="en-US" altLang="zh-CN" dirty="0">
-                <a:solidFill>
-                  <a:srgbClr val="FF0000"/>
-                </a:solidFill>
-              </a:rPr>
-              <a:t/>
-            </a:r>
             <a:br>
               <a:rPr kumimoji="1" lang="en-US" altLang="zh-CN" dirty="0">
                 <a:solidFill>
@@ -4585,39 +4306,7 @@
                   <a:srgbClr val="FF0000"/>
                 </a:solidFill>
               </a:rPr>
-              <a:t> Q1: </a:t>
-            </a:r>
-            <a:r>
-              <a:rPr kumimoji="1" lang="en-US" altLang="zh-CN" dirty="0" smtClean="0">
-                <a:solidFill>
-                  <a:srgbClr val="FF0000"/>
-                </a:solidFill>
-              </a:rPr>
-              <a:t> </a:t>
-            </a:r>
-            <a:r>
-              <a:rPr kumimoji="1" lang="en-US" altLang="zh-CN" dirty="0">
-                <a:solidFill>
-                  <a:srgbClr val="FF0000"/>
-                </a:solidFill>
-              </a:rPr>
-              <a:t>One model to </a:t>
-            </a:r>
-            <a:r>
-              <a:rPr kumimoji="1" lang="en-US" altLang="zh-CN" dirty="0" smtClean="0">
-                <a:solidFill>
-                  <a:srgbClr val="FF0000"/>
-                </a:solidFill>
-              </a:rPr>
-              <a:t>predict </a:t>
-            </a:r>
-            <a:r>
-              <a:rPr kumimoji="1" lang="en-US" altLang="zh-CN" dirty="0">
-                <a:solidFill>
-                  <a:srgbClr val="FF0000"/>
-                </a:solidFill>
-              </a:rPr>
-              <a:t>five dataset. </a:t>
+              <a:t> Q1:  One model to predict five dataset. </a:t>
             </a:r>
             <a:br>
               <a:rPr kumimoji="1" lang="en-US" altLang="zh-CN" dirty="0">
@@ -4627,20 +4316,12 @@
               </a:rPr>
             </a:br>
             <a:r>
-              <a:rPr kumimoji="1" lang="en-US" altLang="zh-CN" dirty="0" smtClean="0">
+              <a:rPr kumimoji="1" lang="en-US" altLang="zh-CN" dirty="0">
                 <a:solidFill>
                   <a:srgbClr val="FF0000"/>
                 </a:solidFill>
               </a:rPr>
               <a:t>.</a:t>
-            </a:r>
-            <a:r>
-              <a:rPr kumimoji="1" lang="en-US" altLang="zh-CN" dirty="0">
-                <a:solidFill>
-                  <a:srgbClr val="FF0000"/>
-                </a:solidFill>
-              </a:rPr>
-              <a:t/>
             </a:r>
             <a:br>
               <a:rPr kumimoji="1" lang="en-US" altLang="zh-CN" dirty="0">
@@ -4676,44 +4357,17 @@
           <a:lstStyle/>
           <a:p>
             <a:r>
-              <a:rPr kumimoji="1" lang="en-US" altLang="zh-CN" dirty="0" smtClean="0"/>
-              <a:t>Bind </a:t>
-            </a:r>
-            <a:r>
-              <a:rPr kumimoji="1" lang="en-US" altLang="zh-CN" dirty="0"/>
-              <a:t>five QCM dataset together by column and obtain a large dataset. </a:t>
-            </a:r>
-            <a:endParaRPr kumimoji="1" lang="en-US" altLang="zh-CN" dirty="0" smtClean="0"/>
-          </a:p>
-          <a:p>
-            <a:endParaRPr kumimoji="1" lang="en-US" altLang="zh-CN" dirty="0" smtClean="0"/>
-          </a:p>
-          <a:p>
-            <a:r>
-              <a:rPr kumimoji="1" lang="en-US" altLang="zh-CN" dirty="0" smtClean="0"/>
-              <a:t>The concatenated </a:t>
-            </a:r>
-            <a:r>
-              <a:rPr kumimoji="1" lang="en-US" altLang="zh-CN" dirty="0"/>
-              <a:t>dataset are split with 0/7/0.3 ratio into training and test dataset. </a:t>
-            </a:r>
-            <a:endParaRPr kumimoji="1" lang="en-US" altLang="zh-CN" dirty="0" smtClean="0"/>
+              <a:rPr kumimoji="1" lang="en-US" altLang="zh-CN" dirty="0"/>
+              <a:t>Bind five QCM dataset together by column and obtain a large dataset. </a:t>
+            </a:r>
           </a:p>
           <a:p>
             <a:endParaRPr kumimoji="1" lang="en-US" altLang="zh-CN" dirty="0"/>
           </a:p>
           <a:p>
             <a:r>
-              <a:rPr kumimoji="1" lang="en-US" altLang="zh-CN" dirty="0" smtClean="0"/>
-              <a:t>Fit one </a:t>
-            </a:r>
-            <a:r>
-              <a:rPr kumimoji="1" lang="en-US" altLang="zh-CN" dirty="0"/>
-              <a:t>random forest model with the training set and predict the test data</a:t>
-            </a:r>
-            <a:r>
-              <a:rPr kumimoji="1" lang="en-US" altLang="zh-CN" dirty="0" smtClean="0"/>
-              <a:t>.</a:t>
+              <a:rPr kumimoji="1" lang="en-US" altLang="zh-CN" dirty="0"/>
+              <a:t>The concatenated dataset are split with 0/7/0.3 ratio into training and test dataset. </a:t>
             </a:r>
           </a:p>
           <a:p>
@@ -4721,7 +4375,16 @@
           </a:p>
           <a:p>
             <a:r>
-              <a:rPr kumimoji="1" lang="en-US" altLang="zh-CN" dirty="0" smtClean="0"/>
+              <a:rPr kumimoji="1" lang="en-US" altLang="zh-CN" dirty="0"/>
+              <a:t>Fit one random forest model with the training set and predict the test data.</a:t>
+            </a:r>
+          </a:p>
+          <a:p>
+            <a:endParaRPr kumimoji="1" lang="en-US" altLang="zh-CN" dirty="0"/>
+          </a:p>
+          <a:p>
+            <a:r>
+              <a:rPr kumimoji="1" lang="en-US" altLang="zh-CN" dirty="0"/>
               <a:t>Repeat 10 times</a:t>
             </a:r>
             <a:endParaRPr kumimoji="1" lang="zh-CN" altLang="en-US" dirty="0"/>
@@ -4738,13 +4401,6 @@
   <p:clrMapOvr>
     <a:masterClrMapping/>
   </p:clrMapOvr>
-  <p:timing>
-    <p:tnLst>
-      <p:par>
-        <p:cTn id="1" dur="indefinite" restart="never" nodeType="tmRoot"/>
-      </p:par>
-    </p:tnLst>
-  </p:timing>
 </p:sld>
 </file>
 
@@ -4808,50 +4464,49 @@
           <a:lstStyle/>
           <a:p>
             <a:r>
-              <a:rPr kumimoji="1" lang="en-US" altLang="zh-CN" dirty="0" smtClean="0"/>
+              <a:rPr kumimoji="1" lang="en-US" altLang="zh-CN" dirty="0"/>
               <a:t>Repeat 10 times:</a:t>
             </a:r>
           </a:p>
           <a:p>
             <a:r>
-              <a:rPr kumimoji="1" lang="en-US" altLang="zh-CN" dirty="0" smtClean="0"/>
+              <a:rPr kumimoji="1" lang="en-US" altLang="zh-CN" dirty="0"/>
               <a:t>Mean of accuracy is </a:t>
             </a:r>
             <a:r>
-              <a:rPr kumimoji="1" lang="mr-IN" altLang="zh-CN" dirty="0" smtClean="0"/>
+              <a:rPr kumimoji="1" lang="mr-IN" altLang="zh-CN" dirty="0"/>
               <a:t>0.9763158</a:t>
             </a:r>
-            <a:endParaRPr kumimoji="1" lang="en-US" altLang="zh-CN" dirty="0" smtClean="0"/>
-          </a:p>
-          <a:p>
-            <a:r>
-              <a:rPr kumimoji="1" lang="en-US" altLang="zh-CN" dirty="0" smtClean="0"/>
+            <a:endParaRPr kumimoji="1" lang="en-US" altLang="zh-CN" dirty="0"/>
+          </a:p>
+          <a:p>
+            <a:r>
+              <a:rPr kumimoji="1" lang="en-US" altLang="zh-CN" dirty="0"/>
               <a:t>Variance of accuracy is</a:t>
             </a:r>
             <a:r>
-              <a:rPr kumimoji="1" lang="mr-IN" altLang="zh-CN" dirty="0" smtClean="0"/>
+              <a:rPr kumimoji="1" lang="mr-IN" altLang="zh-CN" dirty="0"/>
               <a:t> 0.0009926131</a:t>
             </a:r>
-            <a:endParaRPr kumimoji="1" lang="en-US" altLang="zh-CN" dirty="0" smtClean="0"/>
-          </a:p>
-          <a:p>
-            <a:endParaRPr kumimoji="1" lang="en-US" altLang="zh-CN" dirty="0" smtClean="0"/>
-          </a:p>
-          <a:p>
-            <a:r>
-              <a:rPr kumimoji="1" lang="en-US" altLang="zh-CN" dirty="0" smtClean="0"/>
+            <a:endParaRPr kumimoji="1" lang="en-US" altLang="zh-CN" dirty="0"/>
+          </a:p>
+          <a:p>
+            <a:endParaRPr kumimoji="1" lang="en-US" altLang="zh-CN" dirty="0"/>
+          </a:p>
+          <a:p>
+            <a:r>
+              <a:rPr kumimoji="1" lang="en-US" altLang="zh-CN" dirty="0"/>
               <a:t>An Acceptable Result, but can be better</a:t>
             </a:r>
           </a:p>
           <a:p>
             <a:r>
-              <a:rPr kumimoji="1" lang="en-US" altLang="zh-CN" dirty="0" smtClean="0"/>
+              <a:rPr kumimoji="1" lang="en-US" altLang="zh-CN" dirty="0"/>
               <a:t>Variable Importance Figure</a:t>
             </a:r>
+          </a:p>
+          <a:p>
             <a:endParaRPr kumimoji="1" lang="en-US" altLang="zh-CN" dirty="0"/>
-          </a:p>
-          <a:p>
-            <a:endParaRPr kumimoji="1" lang="en-US" altLang="zh-CN" dirty="0" smtClean="0"/>
           </a:p>
           <a:p>
             <a:endParaRPr kumimoji="1" lang="zh-CN" altLang="en-US" dirty="0"/>
@@ -4868,17 +4523,314 @@
   <p:clrMapOvr>
     <a:masterClrMapping/>
   </p:clrMapOvr>
-  <p:timing>
-    <p:tnLst>
-      <p:par>
-        <p:cTn id="1" dur="indefinite" restart="never" nodeType="tmRoot"/>
-      </p:par>
-    </p:tnLst>
-  </p:timing>
 </p:sld>
 </file>
 
 <file path=ppt/slides/slide17.xml><?xml version="1.0" encoding="utf-8"?>
+<p:sld xmlns:a="http://schemas.openxmlformats.org/drawingml/2006/main" xmlns:r="http://schemas.openxmlformats.org/officeDocument/2006/relationships" xmlns:p="http://schemas.openxmlformats.org/presentationml/2006/main">
+  <p:cSld>
+    <p:spTree>
+      <p:nvGrpSpPr>
+        <p:cNvPr id="1" name=""/>
+        <p:cNvGrpSpPr/>
+        <p:nvPr/>
+      </p:nvGrpSpPr>
+      <p:grpSpPr>
+        <a:xfrm>
+          <a:off x="0" y="0"/>
+          <a:ext cx="0" cy="0"/>
+          <a:chOff x="0" y="0"/>
+          <a:chExt cx="0" cy="0"/>
+        </a:xfrm>
+      </p:grpSpPr>
+      <p:sp>
+        <p:nvSpPr>
+          <p:cNvPr id="2" name="标题 1">
+            <a:extLst>
+              <a:ext uri="{FF2B5EF4-FFF2-40B4-BE49-F238E27FC236}">
+                <a16:creationId xmlns:a16="http://schemas.microsoft.com/office/drawing/2014/main" id="{6B1E3266-3C03-7643-85E3-499AC9CA2C1F}"/>
+              </a:ext>
+            </a:extLst>
+          </p:cNvPr>
+          <p:cNvSpPr>
+            <a:spLocks noGrp="1"/>
+          </p:cNvSpPr>
+          <p:nvPr>
+            <p:ph type="title"/>
+          </p:nvPr>
+        </p:nvSpPr>
+        <p:spPr/>
+        <p:txBody>
+          <a:bodyPr/>
+          <a:lstStyle/>
+          <a:p>
+            <a:r>
+              <a:rPr kumimoji="1" lang="en-US" altLang="zh-CN" dirty="0">
+                <a:solidFill>
+                  <a:srgbClr val="FF0000"/>
+                </a:solidFill>
+              </a:rPr>
+              <a:t>Misclassified point analysis</a:t>
+            </a:r>
+            <a:endParaRPr kumimoji="1" lang="zh-CN" altLang="en-US" dirty="0">
+              <a:solidFill>
+                <a:srgbClr val="FF0000"/>
+              </a:solidFill>
+            </a:endParaRPr>
+          </a:p>
+        </p:txBody>
+      </p:sp>
+      <p:pic>
+        <p:nvPicPr>
+          <p:cNvPr id="5" name="内容占位符 4">
+            <a:extLst>
+              <a:ext uri="{FF2B5EF4-FFF2-40B4-BE49-F238E27FC236}">
+                <a16:creationId xmlns:a16="http://schemas.microsoft.com/office/drawing/2014/main" id="{20C49C2E-F61A-B64A-995D-0A1F7A6D14CA}"/>
+              </a:ext>
+            </a:extLst>
+          </p:cNvPr>
+          <p:cNvPicPr>
+            <a:picLocks noGrp="1" noChangeAspect="1"/>
+          </p:cNvPicPr>
+          <p:nvPr>
+            <p:ph idx="1"/>
+          </p:nvPr>
+        </p:nvPicPr>
+        <p:blipFill>
+          <a:blip r:embed="rId2"/>
+          <a:stretch>
+            <a:fillRect/>
+          </a:stretch>
+        </p:blipFill>
+        <p:spPr>
+          <a:xfrm>
+            <a:off x="1014022" y="1477788"/>
+            <a:ext cx="8026400" cy="2743200"/>
+          </a:xfrm>
+        </p:spPr>
+      </p:pic>
+      <p:sp>
+        <p:nvSpPr>
+          <p:cNvPr id="6" name="文本框 5">
+            <a:extLst>
+              <a:ext uri="{FF2B5EF4-FFF2-40B4-BE49-F238E27FC236}">
+                <a16:creationId xmlns:a16="http://schemas.microsoft.com/office/drawing/2014/main" id="{3CCEB379-77E5-2F43-B7D7-E602B296F8F0}"/>
+              </a:ext>
+            </a:extLst>
+          </p:cNvPr>
+          <p:cNvSpPr txBox="1"/>
+          <p:nvPr/>
+        </p:nvSpPr>
+        <p:spPr>
+          <a:xfrm>
+            <a:off x="1014022" y="4451123"/>
+            <a:ext cx="9683338" cy="1323439"/>
+          </a:xfrm>
+          <a:prstGeom prst="rect">
+            <a:avLst/>
+          </a:prstGeom>
+          <a:noFill/>
+        </p:spPr>
+        <p:txBody>
+          <a:bodyPr wrap="square" rtlCol="0">
+            <a:spAutoFit/>
+          </a:bodyPr>
+          <a:lstStyle/>
+          <a:p>
+            <a:r>
+              <a:rPr lang="en" altLang="zh-CN" sz="2000" dirty="0"/>
+              <a:t> Although the nearest neighbor of the 71th point belongs to the same class as themselves</a:t>
+            </a:r>
+            <a:r>
+              <a:rPr lang="zh-CN" altLang="en-US" sz="2000" dirty="0"/>
+              <a:t>，</a:t>
+            </a:r>
+            <a:r>
+              <a:rPr lang="en" altLang="zh-CN" sz="2000" dirty="0"/>
+              <a:t> a large proportion of nearest ten neighbors do</a:t>
+            </a:r>
+            <a:r>
+              <a:rPr lang="zh-CN" altLang="en-US" sz="2000" dirty="0"/>
+              <a:t> </a:t>
+            </a:r>
+            <a:r>
+              <a:rPr lang="en-US" altLang="zh-CN" sz="2000" dirty="0"/>
+              <a:t>no</a:t>
+            </a:r>
+            <a:r>
+              <a:rPr lang="en" altLang="zh-CN" sz="2000" dirty="0"/>
+              <a:t>t belong to the same class. Meanwhile, the ten points all have large </a:t>
+            </a:r>
+            <a:r>
+              <a:rPr lang="en" altLang="zh-CN" sz="2000" dirty="0" err="1"/>
+              <a:t>possiblility</a:t>
+            </a:r>
+            <a:r>
+              <a:rPr lang="en" altLang="zh-CN" sz="2000" dirty="0"/>
+              <a:t> to reside in the same leaf cell with the 7171th point when the parameter “node size” is set by 5.</a:t>
+            </a:r>
+            <a:endParaRPr kumimoji="1" lang="zh-CN" altLang="en-US" sz="2000" dirty="0"/>
+          </a:p>
+        </p:txBody>
+      </p:sp>
+    </p:spTree>
+    <p:extLst>
+      <p:ext uri="{BB962C8B-B14F-4D97-AF65-F5344CB8AC3E}">
+        <p14:creationId xmlns:p14="http://schemas.microsoft.com/office/powerpoint/2010/main" val="3740606003"/>
+      </p:ext>
+    </p:extLst>
+  </p:cSld>
+  <p:clrMapOvr>
+    <a:masterClrMapping/>
+  </p:clrMapOvr>
+</p:sld>
+</file>
+
+<file path=ppt/slides/slide18.xml><?xml version="1.0" encoding="utf-8"?>
+<p:sld xmlns:a="http://schemas.openxmlformats.org/drawingml/2006/main" xmlns:r="http://schemas.openxmlformats.org/officeDocument/2006/relationships" xmlns:p="http://schemas.openxmlformats.org/presentationml/2006/main">
+  <p:cSld>
+    <p:spTree>
+      <p:nvGrpSpPr>
+        <p:cNvPr id="1" name=""/>
+        <p:cNvGrpSpPr/>
+        <p:nvPr/>
+      </p:nvGrpSpPr>
+      <p:grpSpPr>
+        <a:xfrm>
+          <a:off x="0" y="0"/>
+          <a:ext cx="0" cy="0"/>
+          <a:chOff x="0" y="0"/>
+          <a:chExt cx="0" cy="0"/>
+        </a:xfrm>
+      </p:grpSpPr>
+      <p:sp>
+        <p:nvSpPr>
+          <p:cNvPr id="2" name="标题 1">
+            <a:extLst>
+              <a:ext uri="{FF2B5EF4-FFF2-40B4-BE49-F238E27FC236}">
+                <a16:creationId xmlns:a16="http://schemas.microsoft.com/office/drawing/2014/main" id="{EDB74216-6470-CD4E-905B-60791F12664F}"/>
+              </a:ext>
+            </a:extLst>
+          </p:cNvPr>
+          <p:cNvSpPr>
+            <a:spLocks noGrp="1"/>
+          </p:cNvSpPr>
+          <p:nvPr>
+            <p:ph type="title"/>
+          </p:nvPr>
+        </p:nvSpPr>
+        <p:spPr>
+          <a:xfrm>
+            <a:off x="838200" y="99476"/>
+            <a:ext cx="10515600" cy="1325563"/>
+          </a:xfrm>
+        </p:spPr>
+        <p:txBody>
+          <a:bodyPr/>
+          <a:lstStyle/>
+          <a:p>
+            <a:r>
+              <a:rPr kumimoji="1" lang="en-US" altLang="zh-CN" dirty="0">
+                <a:solidFill>
+                  <a:srgbClr val="FF0000"/>
+                </a:solidFill>
+              </a:rPr>
+              <a:t>Chance for improving accuracy</a:t>
+            </a:r>
+            <a:endParaRPr kumimoji="1" lang="zh-CN" altLang="en-US" dirty="0">
+              <a:solidFill>
+                <a:srgbClr val="FF0000"/>
+              </a:solidFill>
+            </a:endParaRPr>
+          </a:p>
+        </p:txBody>
+      </p:sp>
+      <p:sp>
+        <p:nvSpPr>
+          <p:cNvPr id="3" name="内容占位符 2">
+            <a:extLst>
+              <a:ext uri="{FF2B5EF4-FFF2-40B4-BE49-F238E27FC236}">
+                <a16:creationId xmlns:a16="http://schemas.microsoft.com/office/drawing/2014/main" id="{DF568800-1CAA-D146-9D71-AF4DC41D5F83}"/>
+              </a:ext>
+            </a:extLst>
+          </p:cNvPr>
+          <p:cNvSpPr>
+            <a:spLocks noGrp="1"/>
+          </p:cNvSpPr>
+          <p:nvPr>
+            <p:ph idx="1"/>
+          </p:nvPr>
+        </p:nvSpPr>
+        <p:spPr>
+          <a:xfrm>
+            <a:off x="835440" y="1092531"/>
+            <a:ext cx="10515600" cy="4977555"/>
+          </a:xfrm>
+        </p:spPr>
+        <p:txBody>
+          <a:bodyPr/>
+          <a:lstStyle/>
+          <a:p>
+            <a:r>
+              <a:rPr lang="en" altLang="zh-CN" dirty="0"/>
+              <a:t>Correlation between different decision trees is preferably low.</a:t>
+            </a:r>
+          </a:p>
+          <a:p>
+            <a:r>
+              <a:rPr lang="en" altLang="zh-CN" dirty="0"/>
+              <a:t>However, correlation between feature space are high</a:t>
+            </a:r>
+          </a:p>
+          <a:p>
+            <a:endParaRPr kumimoji="1" lang="zh-CN" altLang="en-US" dirty="0"/>
+          </a:p>
+        </p:txBody>
+      </p:sp>
+      <p:pic>
+        <p:nvPicPr>
+          <p:cNvPr id="5" name="图片 4">
+            <a:extLst>
+              <a:ext uri="{FF2B5EF4-FFF2-40B4-BE49-F238E27FC236}">
+                <a16:creationId xmlns:a16="http://schemas.microsoft.com/office/drawing/2014/main" id="{51DDFE96-E94F-DB4E-98B4-02607F42E7FF}"/>
+              </a:ext>
+            </a:extLst>
+          </p:cNvPr>
+          <p:cNvPicPr>
+            <a:picLocks noChangeAspect="1"/>
+          </p:cNvPicPr>
+          <p:nvPr/>
+        </p:nvPicPr>
+        <p:blipFill>
+          <a:blip r:embed="rId2"/>
+          <a:stretch>
+            <a:fillRect/>
+          </a:stretch>
+        </p:blipFill>
+        <p:spPr>
+          <a:xfrm>
+            <a:off x="1745673" y="2013074"/>
+            <a:ext cx="9121000" cy="4971080"/>
+          </a:xfrm>
+          <a:prstGeom prst="rect">
+            <a:avLst/>
+          </a:prstGeom>
+        </p:spPr>
+      </p:pic>
+    </p:spTree>
+    <p:extLst>
+      <p:ext uri="{BB962C8B-B14F-4D97-AF65-F5344CB8AC3E}">
+        <p14:creationId xmlns:p14="http://schemas.microsoft.com/office/powerpoint/2010/main" val="3069311477"/>
+      </p:ext>
+    </p:extLst>
+  </p:cSld>
+  <p:clrMapOvr>
+    <a:masterClrMapping/>
+  </p:clrMapOvr>
+</p:sld>
+</file>
+
+<file path=ppt/slides/slide19.xml><?xml version="1.0" encoding="utf-8"?>
 <p:sld xmlns:a="http://schemas.openxmlformats.org/drawingml/2006/main" xmlns:r="http://schemas.openxmlformats.org/officeDocument/2006/relationships" xmlns:p="http://schemas.openxmlformats.org/presentationml/2006/main">
   <p:cSld>
     <p:spTree>
@@ -4956,17 +4908,10 @@
   <p:clrMapOvr>
     <a:masterClrMapping/>
   </p:clrMapOvr>
-  <p:timing>
-    <p:tnLst>
-      <p:par>
-        <p:cTn id="1" dur="indefinite" restart="never" nodeType="tmRoot"/>
-      </p:par>
-    </p:tnLst>
-  </p:timing>
 </p:sld>
 </file>
 
-<file path=ppt/slides/slide18.xml><?xml version="1.0" encoding="utf-8"?>
+<file path=ppt/slides/slide2.xml><?xml version="1.0" encoding="utf-8"?>
 <p:sld xmlns:a="http://schemas.openxmlformats.org/drawingml/2006/main" xmlns:r="http://schemas.openxmlformats.org/officeDocument/2006/relationships" xmlns:p="http://schemas.openxmlformats.org/presentationml/2006/main">
   <p:cSld>
     <p:spTree>
@@ -4993,29 +4938,16 @@
             <p:ph type="title"/>
           </p:nvPr>
         </p:nvSpPr>
-        <p:spPr>
-          <a:xfrm>
-            <a:off x="714632" y="132534"/>
-            <a:ext cx="10515600" cy="1325563"/>
-          </a:xfrm>
-        </p:spPr>
-        <p:txBody>
-          <a:bodyPr/>
-          <a:lstStyle/>
-          <a:p>
-            <a:r>
-              <a:rPr kumimoji="1" lang="en-US" altLang="zh-CN" dirty="0" smtClean="0">
-                <a:solidFill>
-                  <a:srgbClr val="FF0000"/>
-                </a:solidFill>
-              </a:rPr>
-              <a:t>More Analysis</a:t>
-            </a:r>
-            <a:endParaRPr kumimoji="1" lang="zh-CN" altLang="en-US" dirty="0">
-              <a:solidFill>
-                <a:srgbClr val="FF0000"/>
-              </a:solidFill>
-            </a:endParaRPr>
+        <p:spPr/>
+        <p:txBody>
+          <a:bodyPr/>
+          <a:lstStyle/>
+          <a:p>
+            <a:r>
+              <a:rPr kumimoji="1" lang="en-US" altLang="zh-CN" dirty="0"/>
+              <a:t>Background</a:t>
+            </a:r>
+            <a:endParaRPr kumimoji="1" lang="zh-CN" altLang="en-US" dirty="0"/>
           </a:p>
         </p:txBody>
       </p:sp>
@@ -5029,137 +4961,54 @@
             <p:ph idx="1"/>
           </p:nvPr>
         </p:nvSpPr>
-        <p:spPr>
-          <a:xfrm>
-            <a:off x="506627" y="1458097"/>
-            <a:ext cx="11405285" cy="4979773"/>
-          </a:xfrm>
-        </p:spPr>
-        <p:txBody>
-          <a:bodyPr>
-            <a:normAutofit/>
-          </a:bodyPr>
-          <a:lstStyle/>
-          <a:p>
-            <a:r>
-              <a:rPr kumimoji="1" lang="en-US" altLang="zh-CN" dirty="0" smtClean="0">
-                <a:solidFill>
-                  <a:srgbClr val="FF0000"/>
-                </a:solidFill>
-              </a:rPr>
-              <a:t>Three problems:</a:t>
-            </a:r>
-          </a:p>
-          <a:p>
-            <a:r>
-              <a:rPr kumimoji="1" lang="en-US" altLang="zh-CN" dirty="0" smtClean="0"/>
-              <a:t>Naive </a:t>
-            </a:r>
-            <a:r>
-              <a:rPr kumimoji="1" lang="en-US" altLang="zh-CN" dirty="0"/>
-              <a:t>concatenated dataset </a:t>
-            </a:r>
-            <a:r>
-              <a:rPr kumimoji="1" lang="en-US" altLang="zh-CN" dirty="0" smtClean="0"/>
-              <a:t>ignore </a:t>
-            </a:r>
-            <a:r>
-              <a:rPr kumimoji="1" lang="en-US" altLang="zh-CN" dirty="0"/>
-              <a:t>which QCM detector the data is from</a:t>
-            </a:r>
-            <a:r>
-              <a:rPr kumimoji="1" lang="en-US" altLang="zh-CN" dirty="0" smtClean="0"/>
-              <a:t>.</a:t>
-            </a:r>
-          </a:p>
-          <a:p>
-            <a:r>
-              <a:rPr kumimoji="1" lang="en-US" altLang="zh-CN" dirty="0" smtClean="0"/>
-              <a:t> Information </a:t>
-            </a:r>
-            <a:r>
-              <a:rPr kumimoji="1" lang="en-US" altLang="zh-CN" dirty="0"/>
-              <a:t>of five </a:t>
-            </a:r>
-            <a:r>
-              <a:rPr kumimoji="1" lang="en-US" altLang="zh-CN" dirty="0" smtClean="0"/>
-              <a:t>QCM </a:t>
-            </a:r>
-            <a:r>
-              <a:rPr kumimoji="1" lang="en-US" altLang="zh-CN" dirty="0"/>
-              <a:t>detectors is not included in data</a:t>
-            </a:r>
-            <a:r>
-              <a:rPr kumimoji="1" lang="en-US" altLang="zh-CN" dirty="0" smtClean="0"/>
-              <a:t>.</a:t>
-            </a:r>
-          </a:p>
-          <a:p>
-            <a:r>
-              <a:rPr kumimoji="1" lang="en-US" altLang="zh-CN" dirty="0" smtClean="0"/>
-              <a:t>Q2 is still not solved.</a:t>
-            </a:r>
-          </a:p>
-          <a:p>
-            <a:endParaRPr kumimoji="1" lang="en-US" altLang="zh-CN" dirty="0" smtClean="0"/>
-          </a:p>
-          <a:p>
-            <a:r>
-              <a:rPr kumimoji="1" lang="en-US" altLang="zh-CN" dirty="0" smtClean="0">
-                <a:solidFill>
-                  <a:srgbClr val="FF0000"/>
-                </a:solidFill>
-              </a:rPr>
-              <a:t>Method:</a:t>
-            </a:r>
-          </a:p>
-          <a:p>
-            <a:r>
-              <a:rPr kumimoji="1" lang="en-US" altLang="zh-CN" dirty="0" smtClean="0"/>
-              <a:t>Add some info related to QCM detectors(e.g. material, structure, </a:t>
-            </a:r>
-            <a:r>
-              <a:rPr kumimoji="1" lang="mr-IN" altLang="zh-CN" dirty="0" smtClean="0"/>
-              <a:t>…</a:t>
-            </a:r>
-            <a:r>
-              <a:rPr kumimoji="1" lang="en-US" altLang="zh-CN" dirty="0" smtClean="0"/>
-              <a:t>)</a:t>
-            </a:r>
-          </a:p>
-          <a:p>
-            <a:r>
-              <a:rPr kumimoji="1" lang="en-US" altLang="zh-CN" dirty="0" smtClean="0"/>
-              <a:t>New info/features are generalized to all QCM detector, not only restricted to these five.</a:t>
-            </a:r>
+        <p:spPr/>
+        <p:txBody>
+          <a:bodyPr/>
+          <a:lstStyle/>
+          <a:p>
+            <a:r>
+              <a:rPr lang="en-US" altLang="zh-CN" dirty="0"/>
+              <a:t>Alcohols have different structures;</a:t>
+            </a:r>
+          </a:p>
+          <a:p>
+            <a:r>
+              <a:rPr lang="en-US" altLang="zh-CN" dirty="0"/>
+              <a:t>Successful detection of different alcohol types is important and necessary</a:t>
+            </a:r>
+          </a:p>
+          <a:p>
             <a:endParaRPr kumimoji="1" lang="en-US" altLang="zh-CN" dirty="0"/>
           </a:p>
           <a:p>
-            <a:endParaRPr kumimoji="1" lang="en-US" altLang="zh-CN" dirty="0" smtClean="0"/>
+            <a:r>
+              <a:rPr lang="en-US" altLang="zh-CN" dirty="0"/>
+              <a:t>Five different types of alcohol:</a:t>
+            </a:r>
+          </a:p>
+          <a:p>
+            <a:r>
+              <a:rPr lang="en-US" altLang="zh-CN" dirty="0"/>
+              <a:t>1-octanol, 1-propanol, 2-butanol, 2- propanol and 1-isobutanol</a:t>
+            </a:r>
+            <a:endParaRPr kumimoji="1" lang="zh-CN" altLang="en-US" dirty="0"/>
           </a:p>
         </p:txBody>
       </p:sp>
     </p:spTree>
     <p:extLst>
       <p:ext uri="{BB962C8B-B14F-4D97-AF65-F5344CB8AC3E}">
-        <p14:creationId xmlns:p14="http://schemas.microsoft.com/office/powerpoint/2010/main" val="1115721453"/>
+        <p14:creationId xmlns:p14="http://schemas.microsoft.com/office/powerpoint/2010/main" val="1798749350"/>
       </p:ext>
     </p:extLst>
   </p:cSld>
   <p:clrMapOvr>
     <a:masterClrMapping/>
   </p:clrMapOvr>
-  <p:timing>
-    <p:tnLst>
-      <p:par>
-        <p:cTn id="1" dur="indefinite" restart="never" nodeType="tmRoot"/>
-      </p:par>
-    </p:tnLst>
-  </p:timing>
 </p:sld>
 </file>
 
-<file path=ppt/slides/slide19.xml><?xml version="1.0" encoding="utf-8"?>
+<file path=ppt/slides/slide20.xml><?xml version="1.0" encoding="utf-8"?>
 <p:sld xmlns:a="http://schemas.openxmlformats.org/drawingml/2006/main" xmlns:r="http://schemas.openxmlformats.org/officeDocument/2006/relationships" xmlns:p="http://schemas.openxmlformats.org/presentationml/2006/main">
   <p:cSld>
     <p:spTree>
@@ -5186,13 +5035,166 @@
             <p:ph type="title"/>
           </p:nvPr>
         </p:nvSpPr>
-        <p:spPr/>
-        <p:txBody>
-          <a:bodyPr/>
-          <a:lstStyle/>
-          <a:p>
-            <a:r>
-              <a:rPr kumimoji="1" lang="en-US" altLang="zh-CN" dirty="0" smtClean="0">
+        <p:spPr>
+          <a:xfrm>
+            <a:off x="714632" y="132534"/>
+            <a:ext cx="10515600" cy="1325563"/>
+          </a:xfrm>
+        </p:spPr>
+        <p:txBody>
+          <a:bodyPr/>
+          <a:lstStyle/>
+          <a:p>
+            <a:r>
+              <a:rPr kumimoji="1" lang="en-US" altLang="zh-CN" dirty="0">
+                <a:solidFill>
+                  <a:srgbClr val="FF0000"/>
+                </a:solidFill>
+              </a:rPr>
+              <a:t>More Analysis</a:t>
+            </a:r>
+            <a:endParaRPr kumimoji="1" lang="zh-CN" altLang="en-US" dirty="0">
+              <a:solidFill>
+                <a:srgbClr val="FF0000"/>
+              </a:solidFill>
+            </a:endParaRPr>
+          </a:p>
+        </p:txBody>
+      </p:sp>
+      <p:sp>
+        <p:nvSpPr>
+          <p:cNvPr id="3" name="内容占位符 2"/>
+          <p:cNvSpPr>
+            <a:spLocks noGrp="1"/>
+          </p:cNvSpPr>
+          <p:nvPr>
+            <p:ph idx="1"/>
+          </p:nvPr>
+        </p:nvSpPr>
+        <p:spPr>
+          <a:xfrm>
+            <a:off x="506627" y="1458097"/>
+            <a:ext cx="11405285" cy="4979773"/>
+          </a:xfrm>
+        </p:spPr>
+        <p:txBody>
+          <a:bodyPr>
+            <a:normAutofit/>
+          </a:bodyPr>
+          <a:lstStyle/>
+          <a:p>
+            <a:r>
+              <a:rPr kumimoji="1" lang="en-US" altLang="zh-CN" dirty="0">
+                <a:solidFill>
+                  <a:srgbClr val="FF0000"/>
+                </a:solidFill>
+              </a:rPr>
+              <a:t>Three problems:</a:t>
+            </a:r>
+          </a:p>
+          <a:p>
+            <a:r>
+              <a:rPr kumimoji="1" lang="en-US" altLang="zh-CN" dirty="0"/>
+              <a:t>Naive concatenated dataset ignore which QCM detector the data is from.</a:t>
+            </a:r>
+          </a:p>
+          <a:p>
+            <a:r>
+              <a:rPr kumimoji="1" lang="en-US" altLang="zh-CN" dirty="0"/>
+              <a:t> Information of five QCM detectors is not included in data.</a:t>
+            </a:r>
+          </a:p>
+          <a:p>
+            <a:r>
+              <a:rPr kumimoji="1" lang="en-US" altLang="zh-CN" dirty="0"/>
+              <a:t>Q2 is still not solved.</a:t>
+            </a:r>
+          </a:p>
+          <a:p>
+            <a:endParaRPr kumimoji="1" lang="en-US" altLang="zh-CN" dirty="0"/>
+          </a:p>
+          <a:p>
+            <a:r>
+              <a:rPr kumimoji="1" lang="en-US" altLang="zh-CN" dirty="0">
+                <a:solidFill>
+                  <a:srgbClr val="FF0000"/>
+                </a:solidFill>
+              </a:rPr>
+              <a:t>Method:</a:t>
+            </a:r>
+          </a:p>
+          <a:p>
+            <a:r>
+              <a:rPr kumimoji="1" lang="en-US" altLang="zh-CN" dirty="0"/>
+              <a:t>Add some info related to QCM detectors(e.g. material, structure, </a:t>
+            </a:r>
+            <a:r>
+              <a:rPr kumimoji="1" lang="mr-IN" altLang="zh-CN" dirty="0"/>
+              <a:t>…</a:t>
+            </a:r>
+            <a:r>
+              <a:rPr kumimoji="1" lang="en-US" altLang="zh-CN" dirty="0"/>
+              <a:t>)</a:t>
+            </a:r>
+          </a:p>
+          <a:p>
+            <a:r>
+              <a:rPr kumimoji="1" lang="en-US" altLang="zh-CN" dirty="0"/>
+              <a:t>New info/features are generalized to all QCM detector, not only restricted to these five.</a:t>
+            </a:r>
+          </a:p>
+          <a:p>
+            <a:endParaRPr kumimoji="1" lang="en-US" altLang="zh-CN" dirty="0"/>
+          </a:p>
+        </p:txBody>
+      </p:sp>
+    </p:spTree>
+    <p:extLst>
+      <p:ext uri="{BB962C8B-B14F-4D97-AF65-F5344CB8AC3E}">
+        <p14:creationId xmlns:p14="http://schemas.microsoft.com/office/powerpoint/2010/main" val="1115721453"/>
+      </p:ext>
+    </p:extLst>
+  </p:cSld>
+  <p:clrMapOvr>
+    <a:masterClrMapping/>
+  </p:clrMapOvr>
+</p:sld>
+</file>
+
+<file path=ppt/slides/slide21.xml><?xml version="1.0" encoding="utf-8"?>
+<p:sld xmlns:a="http://schemas.openxmlformats.org/drawingml/2006/main" xmlns:r="http://schemas.openxmlformats.org/officeDocument/2006/relationships" xmlns:p="http://schemas.openxmlformats.org/presentationml/2006/main">
+  <p:cSld>
+    <p:spTree>
+      <p:nvGrpSpPr>
+        <p:cNvPr id="1" name=""/>
+        <p:cNvGrpSpPr/>
+        <p:nvPr/>
+      </p:nvGrpSpPr>
+      <p:grpSpPr>
+        <a:xfrm>
+          <a:off x="0" y="0"/>
+          <a:ext cx="0" cy="0"/>
+          <a:chOff x="0" y="0"/>
+          <a:chExt cx="0" cy="0"/>
+        </a:xfrm>
+      </p:grpSpPr>
+      <p:sp>
+        <p:nvSpPr>
+          <p:cNvPr id="2" name="标题 1"/>
+          <p:cNvSpPr>
+            <a:spLocks noGrp="1"/>
+          </p:cNvSpPr>
+          <p:nvPr>
+            <p:ph type="title"/>
+          </p:nvPr>
+        </p:nvSpPr>
+        <p:spPr/>
+        <p:txBody>
+          <a:bodyPr/>
+          <a:lstStyle/>
+          <a:p>
+            <a:r>
+              <a:rPr kumimoji="1" lang="en-US" altLang="zh-CN" dirty="0">
                 <a:solidFill>
                   <a:srgbClr val="FF0000"/>
                 </a:solidFill>
@@ -5228,12 +5230,8 @@
           <a:lstStyle/>
           <a:p>
             <a:r>
-              <a:rPr kumimoji="1" lang="en-US" altLang="zh-CN" dirty="0" smtClean="0"/>
-              <a:t>The </a:t>
-            </a:r>
-            <a:r>
-              <a:rPr kumimoji="1" lang="en-US" altLang="zh-CN" dirty="0"/>
-              <a:t>ratio of component in two </a:t>
+              <a:rPr kumimoji="1" lang="en-US" altLang="zh-CN" dirty="0"/>
+              <a:t>The ratio of component in two </a:t>
             </a:r>
             <a:r>
               <a:rPr kumimoji="1" lang="en-US" altLang="zh-CN" dirty="0" err="1"/>
@@ -5241,42 +5239,13 @@
             </a:r>
             <a:r>
               <a:rPr kumimoji="1" lang="en-US" altLang="zh-CN" dirty="0"/>
-              <a:t> of different QCM </a:t>
-            </a:r>
-            <a:r>
-              <a:rPr kumimoji="1" lang="en-US" altLang="zh-CN" dirty="0" smtClean="0"/>
-              <a:t>detectors</a:t>
-            </a:r>
-            <a:r>
-              <a:rPr kumimoji="1" lang="en-US" altLang="zh-CN" dirty="0"/>
-              <a:t> </a:t>
-            </a:r>
-            <a:r>
-              <a:rPr kumimoji="1" lang="en-US" altLang="zh-CN" dirty="0" smtClean="0"/>
-              <a:t>is different. </a:t>
-            </a:r>
-            <a:endParaRPr kumimoji="1" lang="en-US" altLang="zh-CN" dirty="0"/>
-          </a:p>
-          <a:p>
-            <a:r>
-              <a:rPr kumimoji="1" lang="en-US" altLang="zh-CN" dirty="0" smtClean="0"/>
-              <a:t>One </a:t>
-            </a:r>
-            <a:r>
-              <a:rPr kumimoji="1" lang="en-US" altLang="zh-CN" dirty="0"/>
-              <a:t>of </a:t>
-            </a:r>
-            <a:r>
-              <a:rPr kumimoji="1" lang="en-US" altLang="zh-CN" dirty="0" smtClean="0"/>
-              <a:t>two </a:t>
-            </a:r>
-            <a:r>
-              <a:rPr kumimoji="1" lang="en-US" altLang="zh-CN" dirty="0"/>
-              <a:t>channels includes molecularly imprinted polymers (MIP), and the other includes nanoparticles (NP</a:t>
-            </a:r>
-            <a:r>
-              <a:rPr kumimoji="1" lang="en-US" altLang="zh-CN" dirty="0" smtClean="0"/>
-              <a:t>).</a:t>
+              <a:t> of different QCM detectors is different. </a:t>
+            </a:r>
+          </a:p>
+          <a:p>
+            <a:r>
+              <a:rPr kumimoji="1" lang="en-US" altLang="zh-CN" dirty="0"/>
+              <a:t>One of two channels includes molecularly imprinted polymers (MIP), and the other includes nanoparticles (NP).</a:t>
             </a:r>
           </a:p>
           <a:p>
@@ -5324,17 +5293,10 @@
   <p:clrMapOvr>
     <a:masterClrMapping/>
   </p:clrMapOvr>
-  <p:timing>
-    <p:tnLst>
-      <p:par>
-        <p:cTn id="1" dur="indefinite" restart="never" nodeType="tmRoot"/>
-      </p:par>
-    </p:tnLst>
-  </p:timing>
 </p:sld>
 </file>
 
-<file path=ppt/slides/slide2.xml><?xml version="1.0" encoding="utf-8"?>
+<file path=ppt/slides/slide22.xml><?xml version="1.0" encoding="utf-8"?>
 <p:sld xmlns:a="http://schemas.openxmlformats.org/drawingml/2006/main" xmlns:r="http://schemas.openxmlformats.org/officeDocument/2006/relationships" xmlns:p="http://schemas.openxmlformats.org/presentationml/2006/main">
   <p:cSld>
     <p:spTree>
@@ -5361,146 +5323,6 @@
             <p:ph type="title"/>
           </p:nvPr>
         </p:nvSpPr>
-        <p:spPr/>
-        <p:txBody>
-          <a:bodyPr/>
-          <a:lstStyle/>
-          <a:p>
-            <a:r>
-              <a:rPr kumimoji="1" lang="en-US" altLang="zh-CN" dirty="0" smtClean="0"/>
-              <a:t>Background</a:t>
-            </a:r>
-            <a:endParaRPr kumimoji="1" lang="zh-CN" altLang="en-US" dirty="0"/>
-          </a:p>
-        </p:txBody>
-      </p:sp>
-      <p:sp>
-        <p:nvSpPr>
-          <p:cNvPr id="3" name="内容占位符 2"/>
-          <p:cNvSpPr>
-            <a:spLocks noGrp="1"/>
-          </p:cNvSpPr>
-          <p:nvPr>
-            <p:ph idx="1"/>
-          </p:nvPr>
-        </p:nvSpPr>
-        <p:spPr/>
-        <p:txBody>
-          <a:bodyPr/>
-          <a:lstStyle/>
-          <a:p>
-            <a:r>
-              <a:rPr lang="en-US" altLang="zh-CN" dirty="0" smtClean="0"/>
-              <a:t>Alcohols </a:t>
-            </a:r>
-            <a:r>
-              <a:rPr lang="en-US" altLang="zh-CN" dirty="0"/>
-              <a:t>have different </a:t>
-            </a:r>
-            <a:r>
-              <a:rPr lang="en-US" altLang="zh-CN" dirty="0" smtClean="0"/>
-              <a:t>structures;</a:t>
-            </a:r>
-          </a:p>
-          <a:p>
-            <a:r>
-              <a:rPr lang="en-US" altLang="zh-CN" dirty="0"/>
-              <a:t>S</a:t>
-            </a:r>
-            <a:r>
-              <a:rPr lang="en-US" altLang="zh-CN" dirty="0" smtClean="0"/>
-              <a:t>uccessful </a:t>
-            </a:r>
-            <a:r>
-              <a:rPr lang="en-US" altLang="zh-CN" dirty="0"/>
-              <a:t>detection of different </a:t>
-            </a:r>
-            <a:r>
-              <a:rPr lang="en-US" altLang="zh-CN" dirty="0" smtClean="0"/>
-              <a:t>alcohol </a:t>
-            </a:r>
-            <a:r>
-              <a:rPr lang="en-US" altLang="zh-CN" dirty="0"/>
-              <a:t>types is important and </a:t>
-            </a:r>
-            <a:r>
-              <a:rPr lang="en-US" altLang="zh-CN" dirty="0" smtClean="0"/>
-              <a:t>necessary</a:t>
-            </a:r>
-          </a:p>
-          <a:p>
-            <a:endParaRPr kumimoji="1" lang="en-US" altLang="zh-CN" dirty="0"/>
-          </a:p>
-          <a:p>
-            <a:r>
-              <a:rPr lang="en-US" altLang="zh-CN" dirty="0" smtClean="0"/>
-              <a:t>Five </a:t>
-            </a:r>
-            <a:r>
-              <a:rPr lang="en-US" altLang="zh-CN" dirty="0"/>
-              <a:t>different types of </a:t>
-            </a:r>
-            <a:r>
-              <a:rPr lang="en-US" altLang="zh-CN" dirty="0" smtClean="0"/>
-              <a:t>alcohol:</a:t>
-            </a:r>
-          </a:p>
-          <a:p>
-            <a:r>
-              <a:rPr lang="en-US" altLang="zh-CN" dirty="0"/>
-              <a:t>1-octanol, 1-propanol, 2-butanol, 2- propanol and 1-isobutanol</a:t>
-            </a:r>
-            <a:endParaRPr kumimoji="1" lang="zh-CN" altLang="en-US" dirty="0"/>
-          </a:p>
-        </p:txBody>
-      </p:sp>
-    </p:spTree>
-    <p:extLst>
-      <p:ext uri="{BB962C8B-B14F-4D97-AF65-F5344CB8AC3E}">
-        <p14:creationId xmlns:p14="http://schemas.microsoft.com/office/powerpoint/2010/main" val="1798749350"/>
-      </p:ext>
-    </p:extLst>
-  </p:cSld>
-  <p:clrMapOvr>
-    <a:masterClrMapping/>
-  </p:clrMapOvr>
-  <p:timing>
-    <p:tnLst>
-      <p:par>
-        <p:cTn id="1" dur="indefinite" restart="never" nodeType="tmRoot"/>
-      </p:par>
-    </p:tnLst>
-  </p:timing>
-</p:sld>
-</file>
-
-<file path=ppt/slides/slide20.xml><?xml version="1.0" encoding="utf-8"?>
-<p:sld xmlns:a="http://schemas.openxmlformats.org/drawingml/2006/main" xmlns:r="http://schemas.openxmlformats.org/officeDocument/2006/relationships" xmlns:p="http://schemas.openxmlformats.org/presentationml/2006/main">
-  <p:cSld>
-    <p:spTree>
-      <p:nvGrpSpPr>
-        <p:cNvPr id="1" name=""/>
-        <p:cNvGrpSpPr/>
-        <p:nvPr/>
-      </p:nvGrpSpPr>
-      <p:grpSpPr>
-        <a:xfrm>
-          <a:off x="0" y="0"/>
-          <a:ext cx="0" cy="0"/>
-          <a:chOff x="0" y="0"/>
-          <a:chExt cx="0" cy="0"/>
-        </a:xfrm>
-      </p:grpSpPr>
-      <p:sp>
-        <p:nvSpPr>
-          <p:cNvPr id="2" name="标题 1"/>
-          <p:cNvSpPr>
-            <a:spLocks noGrp="1"/>
-          </p:cNvSpPr>
-          <p:nvPr>
-            <p:ph type="title"/>
-          </p:nvPr>
-        </p:nvSpPr>
         <p:spPr>
           <a:xfrm>
             <a:off x="492211" y="-62975"/>
@@ -5556,14 +5378,13 @@
               <a:t> and </a:t>
             </a:r>
             <a:r>
-              <a:rPr kumimoji="1" lang="en-US" altLang="zh-CN" dirty="0" err="1" smtClean="0"/>
+              <a:rPr kumimoji="1" lang="en-US" altLang="zh-CN" dirty="0" err="1"/>
               <a:t>NP_ratio</a:t>
             </a:r>
             <a:r>
-              <a:rPr kumimoji="1" lang="en-US" altLang="zh-CN" dirty="0" smtClean="0"/>
+              <a:rPr kumimoji="1" lang="en-US" altLang="zh-CN" dirty="0"/>
               <a:t>.</a:t>
             </a:r>
-            <a:endParaRPr kumimoji="1" lang="en-US" altLang="zh-CN" dirty="0"/>
           </a:p>
         </p:txBody>
       </p:sp>
@@ -5607,17 +5428,10 @@
   <p:clrMapOvr>
     <a:masterClrMapping/>
   </p:clrMapOvr>
-  <p:timing>
-    <p:tnLst>
-      <p:par>
-        <p:cTn id="1" dur="indefinite" restart="never" nodeType="tmRoot"/>
-      </p:par>
-    </p:tnLst>
-  </p:timing>
 </p:sld>
 </file>
 
-<file path=ppt/slides/slide21.xml><?xml version="1.0" encoding="utf-8"?>
+<file path=ppt/slides/slide23.xml><?xml version="1.0" encoding="utf-8"?>
 <p:sld xmlns:a="http://schemas.openxmlformats.org/drawingml/2006/main" xmlns:r="http://schemas.openxmlformats.org/officeDocument/2006/relationships" xmlns:p="http://schemas.openxmlformats.org/presentationml/2006/main">
   <p:cSld>
     <p:spTree>
@@ -5650,7 +5464,7 @@
           <a:lstStyle/>
           <a:p>
             <a:r>
-              <a:rPr kumimoji="1" lang="en-US" altLang="zh-CN" dirty="0" smtClean="0">
+              <a:rPr kumimoji="1" lang="en-US" altLang="zh-CN" dirty="0">
                 <a:solidFill>
                   <a:srgbClr val="FF0000"/>
                 </a:solidFill>
@@ -5686,10 +5500,9 @@
           <a:lstStyle/>
           <a:p>
             <a:r>
-              <a:rPr kumimoji="1" lang="en-US" altLang="zh-CN" dirty="0" smtClean="0"/>
+              <a:rPr kumimoji="1" lang="en-US" altLang="zh-CN" dirty="0"/>
               <a:t>Fit a new model with the refined data.</a:t>
             </a:r>
-            <a:endParaRPr kumimoji="1" lang="en-US" altLang="zh-CN" dirty="0"/>
           </a:p>
           <a:p>
             <a:r>
@@ -5703,10 +5516,9 @@
               <a:t>Mean of accuracy is </a:t>
             </a:r>
             <a:r>
-              <a:rPr kumimoji="1" lang="en-US" altLang="zh-CN" b="1" dirty="0" smtClean="0"/>
+              <a:rPr kumimoji="1" lang="en-US" altLang="zh-CN" b="1" dirty="0"/>
               <a:t>1</a:t>
             </a:r>
-            <a:endParaRPr kumimoji="1" lang="en-US" altLang="zh-CN" b="1" dirty="0"/>
           </a:p>
           <a:p>
             <a:r>
@@ -5718,10 +5530,9 @@
               <a:t> </a:t>
             </a:r>
             <a:r>
-              <a:rPr kumimoji="1" lang="en-US" altLang="zh-CN" b="1" dirty="0" smtClean="0"/>
+              <a:rPr kumimoji="1" lang="en-US" altLang="zh-CN" b="1" dirty="0"/>
               <a:t>0</a:t>
             </a:r>
-            <a:endParaRPr kumimoji="1" lang="en-US" altLang="zh-CN" b="1" dirty="0"/>
           </a:p>
           <a:p>
             <a:endParaRPr kumimoji="1" lang="en-US" altLang="zh-CN" dirty="0"/>
@@ -5729,21 +5540,35 @@
           <a:p>
             <a:r>
               <a:rPr kumimoji="1" lang="en-US" altLang="zh-CN" dirty="0"/>
-              <a:t>An </a:t>
-            </a:r>
-            <a:r>
-              <a:rPr kumimoji="1" lang="en-US" altLang="zh-CN" dirty="0" smtClean="0"/>
-              <a:t>Excellent Result</a:t>
-            </a:r>
-          </a:p>
-          <a:p>
-            <a:r>
-              <a:rPr kumimoji="1" lang="en-US" altLang="zh-CN" dirty="0" smtClean="0"/>
-              <a:t>Variable </a:t>
-            </a:r>
-            <a:r>
-              <a:rPr kumimoji="1" lang="en-US" altLang="zh-CN" dirty="0"/>
-              <a:t>Importance Figure</a:t>
+              <a:t>An Excellent Result</a:t>
+            </a:r>
+          </a:p>
+          <a:p>
+            <a:r>
+              <a:rPr kumimoji="1" lang="en-US" altLang="zh-CN" dirty="0"/>
+              <a:t>Variable Importance Figure</a:t>
+            </a:r>
+          </a:p>
+          <a:p>
+            <a:r>
+              <a:rPr kumimoji="1" lang="en-US" altLang="zh-CN" dirty="0"/>
+              <a:t>New correlation plot: low correlation between new feature(</a:t>
+            </a:r>
+            <a:r>
+              <a:rPr kumimoji="1" lang="en-US" altLang="zh-CN" dirty="0" err="1"/>
+              <a:t>MIP_ratio</a:t>
+            </a:r>
+            <a:r>
+              <a:rPr kumimoji="1" lang="en-US" altLang="zh-CN" dirty="0"/>
+              <a:t>, </a:t>
+            </a:r>
+            <a:r>
+              <a:rPr kumimoji="1" lang="en-US" altLang="zh-CN" dirty="0" err="1"/>
+              <a:t>NP_ratio</a:t>
+            </a:r>
+            <a:r>
+              <a:rPr kumimoji="1" lang="en-US" altLang="zh-CN" dirty="0"/>
+              <a:t>) and measurements.</a:t>
             </a:r>
           </a:p>
           <a:p>
@@ -5761,17 +5586,10 @@
   <p:clrMapOvr>
     <a:masterClrMapping/>
   </p:clrMapOvr>
-  <p:timing>
-    <p:tnLst>
-      <p:par>
-        <p:cTn id="1" dur="indefinite" restart="never" nodeType="tmRoot"/>
-      </p:par>
-    </p:tnLst>
-  </p:timing>
 </p:sld>
 </file>
 
-<file path=ppt/slides/slide22.xml><?xml version="1.0" encoding="utf-8"?>
+<file path=ppt/slides/slide24.xml><?xml version="1.0" encoding="utf-8"?>
 <p:sld xmlns:a="http://schemas.openxmlformats.org/drawingml/2006/main" xmlns:r="http://schemas.openxmlformats.org/officeDocument/2006/relationships" xmlns:p="http://schemas.openxmlformats.org/presentationml/2006/main">
   <p:cSld>
     <p:spTree>
@@ -5846,17 +5664,10 @@
   <p:clrMapOvr>
     <a:masterClrMapping/>
   </p:clrMapOvr>
-  <p:timing>
-    <p:tnLst>
-      <p:par>
-        <p:cTn id="1" dur="indefinite" restart="never" nodeType="tmRoot"/>
-      </p:par>
-    </p:tnLst>
-  </p:timing>
 </p:sld>
 </file>
 
-<file path=ppt/slides/slide23.xml><?xml version="1.0" encoding="utf-8"?>
+<file path=ppt/slides/slide25.xml><?xml version="1.0" encoding="utf-8"?>
 <p:sld xmlns:a="http://schemas.openxmlformats.org/drawingml/2006/main" xmlns:r="http://schemas.openxmlformats.org/officeDocument/2006/relationships" xmlns:p="http://schemas.openxmlformats.org/presentationml/2006/main">
   <p:cSld>
     <p:spTree>
@@ -5875,6 +5686,90 @@
       </p:grpSpPr>
       <p:sp>
         <p:nvSpPr>
+          <p:cNvPr id="2" name="标题 1">
+            <a:extLst>
+              <a:ext uri="{FF2B5EF4-FFF2-40B4-BE49-F238E27FC236}">
+                <a16:creationId xmlns:a16="http://schemas.microsoft.com/office/drawing/2014/main" id="{615027C7-C465-D045-9201-62D77CAB882F}"/>
+              </a:ext>
+            </a:extLst>
+          </p:cNvPr>
+          <p:cNvSpPr>
+            <a:spLocks noGrp="1"/>
+          </p:cNvSpPr>
+          <p:nvPr>
+            <p:ph type="title"/>
+          </p:nvPr>
+        </p:nvSpPr>
+        <p:spPr/>
+        <p:txBody>
+          <a:bodyPr/>
+          <a:lstStyle/>
+          <a:p>
+            <a:endParaRPr kumimoji="1" lang="zh-CN" altLang="en-US" dirty="0"/>
+          </a:p>
+        </p:txBody>
+      </p:sp>
+      <p:pic>
+        <p:nvPicPr>
+          <p:cNvPr id="5" name="内容占位符 4">
+            <a:extLst>
+              <a:ext uri="{FF2B5EF4-FFF2-40B4-BE49-F238E27FC236}">
+                <a16:creationId xmlns:a16="http://schemas.microsoft.com/office/drawing/2014/main" id="{0A5B05FA-B772-4C49-9C6B-4F64A392B1D5}"/>
+              </a:ext>
+            </a:extLst>
+          </p:cNvPr>
+          <p:cNvPicPr>
+            <a:picLocks noGrp="1" noChangeAspect="1"/>
+          </p:cNvPicPr>
+          <p:nvPr>
+            <p:ph idx="1"/>
+          </p:nvPr>
+        </p:nvPicPr>
+        <p:blipFill>
+          <a:blip r:embed="rId2"/>
+          <a:stretch>
+            <a:fillRect/>
+          </a:stretch>
+        </p:blipFill>
+        <p:spPr>
+          <a:xfrm>
+            <a:off x="1128157" y="129356"/>
+            <a:ext cx="9239001" cy="6599287"/>
+          </a:xfrm>
+        </p:spPr>
+      </p:pic>
+    </p:spTree>
+    <p:extLst>
+      <p:ext uri="{BB962C8B-B14F-4D97-AF65-F5344CB8AC3E}">
+        <p14:creationId xmlns:p14="http://schemas.microsoft.com/office/powerpoint/2010/main" val="3786841049"/>
+      </p:ext>
+    </p:extLst>
+  </p:cSld>
+  <p:clrMapOvr>
+    <a:masterClrMapping/>
+  </p:clrMapOvr>
+</p:sld>
+</file>
+
+<file path=ppt/slides/slide26.xml><?xml version="1.0" encoding="utf-8"?>
+<p:sld xmlns:a="http://schemas.openxmlformats.org/drawingml/2006/main" xmlns:r="http://schemas.openxmlformats.org/officeDocument/2006/relationships" xmlns:p="http://schemas.openxmlformats.org/presentationml/2006/main">
+  <p:cSld>
+    <p:spTree>
+      <p:nvGrpSpPr>
+        <p:cNvPr id="1" name=""/>
+        <p:cNvGrpSpPr/>
+        <p:nvPr/>
+      </p:nvGrpSpPr>
+      <p:grpSpPr>
+        <a:xfrm>
+          <a:off x="0" y="0"/>
+          <a:ext cx="0" cy="0"/>
+          <a:chOff x="0" y="0"/>
+          <a:chExt cx="0" cy="0"/>
+        </a:xfrm>
+      </p:grpSpPr>
+      <p:sp>
+        <p:nvSpPr>
           <p:cNvPr id="2" name="标题 1"/>
           <p:cNvSpPr>
             <a:spLocks noGrp="1"/>
@@ -5889,7 +5784,7 @@
           <a:lstStyle/>
           <a:p>
             <a:r>
-              <a:rPr kumimoji="1" lang="en-US" altLang="zh-CN" dirty="0" smtClean="0">
+              <a:rPr kumimoji="1" lang="en-US" altLang="zh-CN" dirty="0">
                 <a:solidFill>
                   <a:srgbClr val="FF0000"/>
                 </a:solidFill>
@@ -5925,40 +5820,32 @@
           <a:lstStyle/>
           <a:p>
             <a:r>
-              <a:rPr kumimoji="1" lang="en-US" altLang="zh-CN" dirty="0" smtClean="0"/>
+              <a:rPr kumimoji="1" lang="en-US" altLang="zh-CN" dirty="0"/>
               <a:t>Both solve Q1 and Q2</a:t>
             </a:r>
           </a:p>
           <a:p>
             <a:r>
-              <a:rPr kumimoji="1" lang="en-US" altLang="zh-CN" dirty="0" err="1" smtClean="0"/>
+              <a:rPr kumimoji="1" lang="en-US" altLang="zh-CN" dirty="0" err="1"/>
               <a:t>MIP_ratio</a:t>
             </a:r>
             <a:r>
-              <a:rPr kumimoji="1" lang="en-US" altLang="zh-CN" dirty="0" smtClean="0"/>
+              <a:rPr kumimoji="1" lang="en-US" altLang="zh-CN" dirty="0"/>
               <a:t> and </a:t>
             </a:r>
             <a:r>
-              <a:rPr kumimoji="1" lang="en-US" altLang="zh-CN" dirty="0" err="1" smtClean="0"/>
+              <a:rPr kumimoji="1" lang="en-US" altLang="zh-CN" dirty="0" err="1"/>
               <a:t>NP_ratio</a:t>
             </a:r>
             <a:r>
-              <a:rPr kumimoji="1" lang="en-US" altLang="zh-CN" dirty="0" smtClean="0"/>
+              <a:rPr kumimoji="1" lang="en-US" altLang="zh-CN" dirty="0"/>
               <a:t> indeed work </a:t>
             </a:r>
           </a:p>
           <a:p>
             <a:r>
-              <a:rPr kumimoji="1" lang="en-US" altLang="zh-CN" dirty="0" smtClean="0"/>
-              <a:t>Data </a:t>
-            </a:r>
-            <a:r>
-              <a:rPr kumimoji="1" lang="en-US" altLang="zh-CN" dirty="0"/>
-              <a:t>from new QCM detector with different MIP and NP </a:t>
-            </a:r>
-            <a:r>
-              <a:rPr kumimoji="1" lang="en-US" altLang="zh-CN" dirty="0" smtClean="0"/>
-              <a:t>ratio can be predicted now.</a:t>
+              <a:rPr kumimoji="1" lang="en-US" altLang="zh-CN" dirty="0"/>
+              <a:t>Data from new QCM detector with different MIP and NP ratio can be predicted now.</a:t>
             </a:r>
             <a:endParaRPr kumimoji="1" lang="zh-CN" altLang="en-US" dirty="0"/>
           </a:p>
@@ -5974,13 +5861,6 @@
   <p:clrMapOvr>
     <a:masterClrMapping/>
   </p:clrMapOvr>
-  <p:timing>
-    <p:tnLst>
-      <p:par>
-        <p:cTn id="1" dur="indefinite" restart="never" nodeType="tmRoot"/>
-      </p:par>
-    </p:tnLst>
-  </p:timing>
 </p:sld>
 </file>
 
@@ -6017,7 +5897,7 @@
           <a:lstStyle/>
           <a:p>
             <a:r>
-              <a:rPr kumimoji="1" lang="en-US" altLang="zh-CN" dirty="0" smtClean="0"/>
+              <a:rPr kumimoji="1" lang="en-US" altLang="zh-CN" dirty="0"/>
               <a:t>Goal &amp; Data source</a:t>
             </a:r>
             <a:endParaRPr kumimoji="1" lang="zh-CN" altLang="en-US" dirty="0"/>
@@ -6051,46 +5931,30 @@
               <a:t>Five different </a:t>
             </a:r>
             <a:r>
-              <a:rPr lang="en-US" altLang="zh-CN" dirty="0" smtClean="0">
-                <a:solidFill>
-                  <a:srgbClr val="FF0000"/>
-                </a:solidFill>
-              </a:rPr>
-              <a:t>quartz </a:t>
-            </a:r>
-            <a:r>
               <a:rPr lang="en-US" altLang="zh-CN" dirty="0">
                 <a:solidFill>
                   <a:srgbClr val="FF0000"/>
                 </a:solidFill>
               </a:rPr>
-              <a:t>crystal </a:t>
-            </a:r>
-            <a:r>
-              <a:rPr lang="en-US" altLang="zh-CN" dirty="0" smtClean="0">
-                <a:solidFill>
-                  <a:srgbClr val="FF0000"/>
-                </a:solidFill>
-              </a:rPr>
-              <a:t>microbalance(QCM)</a:t>
-            </a:r>
-            <a:r>
-              <a:rPr lang="en-US" altLang="zh-CN" dirty="0" smtClean="0"/>
+              <a:t>quartz crystal microbalance(QCM)</a:t>
+            </a:r>
+            <a:r>
+              <a:rPr lang="en-US" altLang="zh-CN" dirty="0"/>
               <a:t> gas detectors:</a:t>
             </a:r>
           </a:p>
           <a:p>
             <a:r>
-              <a:rPr kumimoji="1" lang="en-US" altLang="zh-CN" dirty="0" smtClean="0"/>
+              <a:rPr kumimoji="1" lang="en-US" altLang="zh-CN" dirty="0"/>
               <a:t>QCM6, QCM7, QCM10, QCM12, QCM13</a:t>
             </a:r>
           </a:p>
           <a:p>
-            <a:endParaRPr kumimoji="1" lang="en-US" altLang="zh-CN" dirty="0" smtClean="0"/>
-          </a:p>
-          <a:p>
-            <a:r>
-              <a:rPr kumimoji="1" lang="en-US" altLang="zh-CN" dirty="0" smtClean="0">
+            <a:endParaRPr kumimoji="1" lang="en-US" altLang="zh-CN" dirty="0"/>
+          </a:p>
+          <a:p>
+            <a:r>
+              <a:rPr kumimoji="1" lang="en-US" altLang="zh-CN" dirty="0">
                 <a:solidFill>
                   <a:srgbClr val="FF0000"/>
                 </a:solidFill>
@@ -6098,7 +5962,7 @@
               <a:t>Goal:  </a:t>
             </a:r>
             <a:r>
-              <a:rPr kumimoji="1" lang="en-US" altLang="zh-CN" dirty="0" smtClean="0"/>
+              <a:rPr kumimoji="1" lang="en-US" altLang="zh-CN" dirty="0"/>
               <a:t>To classify alcohol by building models with experimental    measurements from five QCM detectors. </a:t>
             </a:r>
           </a:p>
@@ -6107,7 +5971,7 @@
           </a:p>
           <a:p>
             <a:r>
-              <a:rPr lang="en-US" altLang="zh-CN" dirty="0" smtClean="0">
+              <a:rPr lang="en-US" altLang="zh-CN" dirty="0">
                 <a:solidFill>
                   <a:srgbClr val="FF0000"/>
                 </a:solidFill>
@@ -6117,22 +5981,14 @@
           </a:p>
           <a:p>
             <a:r>
-              <a:rPr lang="en-US" altLang="zh-CN" dirty="0" smtClean="0"/>
+              <a:rPr lang="en-US" altLang="zh-CN" dirty="0"/>
               <a:t>Each QCM detector has two channels.</a:t>
             </a:r>
           </a:p>
           <a:p>
             <a:r>
-              <a:rPr lang="en-US" altLang="zh-CN" dirty="0" smtClean="0"/>
-              <a:t>Each type of alcohol is mixed with air by five different ratios, </a:t>
-            </a:r>
-            <a:r>
               <a:rPr lang="en-US" altLang="zh-CN" dirty="0"/>
-              <a:t>ranging from 0.799/0.201 to </a:t>
-            </a:r>
-            <a:r>
-              <a:rPr lang="en-US" altLang="zh-CN" dirty="0" smtClean="0"/>
-              <a:t>0.400/0.6000.</a:t>
+              <a:t>Each type of alcohol is mixed with air by five different ratios, ranging from 0.799/0.201 to 0.400/0.6000.</a:t>
             </a:r>
           </a:p>
         </p:txBody>
@@ -6147,13 +6003,6 @@
   <p:clrMapOvr>
     <a:masterClrMapping/>
   </p:clrMapOvr>
-  <p:timing>
-    <p:tnLst>
-      <p:par>
-        <p:cTn id="1" dur="indefinite" restart="never" nodeType="tmRoot"/>
-      </p:par>
-    </p:tnLst>
-  </p:timing>
 </p:sld>
 </file>
 
@@ -6190,7 +6039,7 @@
           <a:lstStyle/>
           <a:p>
             <a:r>
-              <a:rPr kumimoji="1" lang="en-US" altLang="zh-CN" dirty="0" smtClean="0"/>
+              <a:rPr kumimoji="1" lang="en-US" altLang="zh-CN" dirty="0"/>
               <a:t>Data Size</a:t>
             </a:r>
             <a:endParaRPr kumimoji="1" lang="zh-CN" altLang="en-US" dirty="0"/>
@@ -6213,19 +6062,19 @@
           <a:lstStyle/>
           <a:p>
             <a:r>
-              <a:rPr kumimoji="1" lang="en-US" altLang="zh-CN" dirty="0" smtClean="0"/>
+              <a:rPr kumimoji="1" lang="en-US" altLang="zh-CN" dirty="0"/>
               <a:t>N size:   5 QCM *  25 observations</a:t>
             </a:r>
           </a:p>
           <a:p>
             <a:r>
-              <a:rPr kumimoji="1" lang="en-US" altLang="zh-CN" dirty="0" smtClean="0"/>
+              <a:rPr kumimoji="1" lang="en-US" altLang="zh-CN" dirty="0"/>
               <a:t>Dimension: 2 channel * 5 ratios &amp; 5 labels (5 class; one-hot vector)</a:t>
             </a:r>
           </a:p>
           <a:p>
             <a:r>
-              <a:rPr kumimoji="1" lang="en-US" altLang="zh-CN" dirty="0" smtClean="0"/>
+              <a:rPr kumimoji="1" lang="en-US" altLang="zh-CN" dirty="0"/>
               <a:t>Label: Indicate the type of alcohol</a:t>
             </a:r>
           </a:p>
@@ -6233,11 +6082,11 @@
             <a:endParaRPr kumimoji="1" lang="en-US" altLang="zh-CN" dirty="0"/>
           </a:p>
           <a:p>
-            <a:endParaRPr kumimoji="1" lang="en-US" altLang="zh-CN" dirty="0" smtClean="0"/>
-          </a:p>
-          <a:p>
-            <a:r>
-              <a:rPr kumimoji="1" lang="en-US" altLang="zh-CN" dirty="0" smtClean="0"/>
+            <a:endParaRPr kumimoji="1" lang="en-US" altLang="zh-CN" dirty="0"/>
+          </a:p>
+          <a:p>
+            <a:r>
+              <a:rPr kumimoji="1" lang="en-US" altLang="zh-CN" dirty="0"/>
               <a:t>Transform 5 dimension one-hot vector into 1 label (value: 1,2,3,4,5)</a:t>
             </a:r>
           </a:p>
@@ -6253,13 +6102,6 @@
   <p:clrMapOvr>
     <a:masterClrMapping/>
   </p:clrMapOvr>
-  <p:timing>
-    <p:tnLst>
-      <p:par>
-        <p:cTn id="1" dur="indefinite" restart="never" nodeType="tmRoot"/>
-      </p:par>
-    </p:tnLst>
-  </p:timing>
 </p:sld>
 </file>
 
@@ -6296,7 +6138,7 @@
           <a:lstStyle/>
           <a:p>
             <a:r>
-              <a:rPr kumimoji="1" lang="en-US" altLang="zh-CN" dirty="0" smtClean="0"/>
+              <a:rPr kumimoji="1" lang="en-US" altLang="zh-CN" dirty="0"/>
               <a:t>Data Processing</a:t>
             </a:r>
             <a:endParaRPr kumimoji="1" lang="zh-CN" altLang="en-US" dirty="0"/>
@@ -6342,13 +6184,6 @@
   <p:clrMapOvr>
     <a:masterClrMapping/>
   </p:clrMapOvr>
-  <p:timing>
-    <p:tnLst>
-      <p:par>
-        <p:cTn id="1" dur="indefinite" restart="never" nodeType="tmRoot"/>
-      </p:par>
-    </p:tnLst>
-  </p:timing>
 </p:sld>
 </file>
 
@@ -6387,12 +6222,8 @@
           <a:lstStyle/>
           <a:p>
             <a:r>
-              <a:rPr kumimoji="1" lang="en-US" altLang="zh-CN" dirty="0" smtClean="0"/>
-              <a:t>Data </a:t>
-            </a:r>
-            <a:r>
-              <a:rPr kumimoji="1" lang="en-US" altLang="zh-CN" dirty="0"/>
-              <a:t>Exploring:</a:t>
+              <a:rPr kumimoji="1" lang="en-US" altLang="zh-CN" dirty="0"/>
+              <a:t>Data Exploring:</a:t>
             </a:r>
             <a:br>
               <a:rPr kumimoji="1" lang="en-US" altLang="zh-CN" dirty="0"/>
@@ -6444,13 +6275,6 @@
   <p:clrMapOvr>
     <a:masterClrMapping/>
   </p:clrMapOvr>
-  <p:timing>
-    <p:tnLst>
-      <p:par>
-        <p:cTn id="1" dur="indefinite" restart="never" nodeType="tmRoot"/>
-      </p:par>
-    </p:tnLst>
-  </p:timing>
 </p:sld>
 </file>
 
@@ -6516,11 +6340,7 @@
           <a:p>
             <a:r>
               <a:rPr kumimoji="1" lang="en-US" altLang="zh-CN" dirty="0"/>
-              <a:t>For each type of alcohol, different ratio corresponds to different levels of measurement</a:t>
-            </a:r>
-            <a:r>
-              <a:rPr kumimoji="1" lang="en-US" altLang="zh-CN" dirty="0" smtClean="0"/>
-              <a:t>.</a:t>
+              <a:t>For each type of alcohol, different ratio corresponds to different levels of measurement.</a:t>
             </a:r>
           </a:p>
           <a:p>
@@ -6528,42 +6348,14 @@
           </a:p>
           <a:p>
             <a:r>
-              <a:rPr kumimoji="1" lang="en-US" altLang="zh-CN" dirty="0" smtClean="0"/>
-              <a:t>However </a:t>
-            </a:r>
-            <a:r>
-              <a:rPr kumimoji="1" lang="en-US" altLang="zh-CN" dirty="0"/>
-              <a:t>two types of </a:t>
-            </a:r>
-            <a:r>
-              <a:rPr kumimoji="1" lang="en-US" altLang="zh-CN" dirty="0" smtClean="0"/>
-              <a:t>alcohol(But2 &amp; Iso1) </a:t>
-            </a:r>
-            <a:r>
-              <a:rPr kumimoji="1" lang="en-US" altLang="zh-CN" dirty="0"/>
-              <a:t>have similar measurement for different </a:t>
-            </a:r>
-            <a:r>
-              <a:rPr kumimoji="1" lang="en-US" altLang="zh-CN" dirty="0" smtClean="0"/>
-              <a:t>alcohol/air ratios;</a:t>
-            </a:r>
-          </a:p>
-          <a:p>
-            <a:r>
-              <a:rPr kumimoji="1" lang="en-US" altLang="zh-CN" dirty="0"/>
-              <a:t>D</a:t>
-            </a:r>
-            <a:r>
-              <a:rPr kumimoji="1" lang="en-US" altLang="zh-CN" dirty="0" smtClean="0"/>
-              <a:t>ifficult </a:t>
-            </a:r>
-            <a:r>
-              <a:rPr kumimoji="1" lang="en-US" altLang="zh-CN" dirty="0"/>
-              <a:t>for differentiate </a:t>
-            </a:r>
-            <a:r>
-              <a:rPr kumimoji="1" lang="en-US" altLang="zh-CN" dirty="0" smtClean="0"/>
-              <a:t>them only according to channel 1.</a:t>
+              <a:rPr kumimoji="1" lang="en-US" altLang="zh-CN" dirty="0"/>
+              <a:t>However two types of alcohol(But2 &amp; Iso1) have similar measurement for different alcohol/air ratios;</a:t>
+            </a:r>
+          </a:p>
+          <a:p>
+            <a:r>
+              <a:rPr kumimoji="1" lang="en-US" altLang="zh-CN" dirty="0"/>
+              <a:t>Difficult for differentiate them only according to channel 1.</a:t>
             </a:r>
             <a:endParaRPr kumimoji="1" lang="zh-CN" altLang="en-US" dirty="0"/>
           </a:p>
@@ -6579,13 +6371,6 @@
   <p:clrMapOvr>
     <a:masterClrMapping/>
   </p:clrMapOvr>
-  <p:timing>
-    <p:tnLst>
-      <p:par>
-        <p:cTn id="1" dur="indefinite" restart="never" nodeType="tmRoot"/>
-      </p:par>
-    </p:tnLst>
-  </p:timing>
 </p:sld>
 </file>
 
@@ -6624,27 +6409,15 @@
           <a:lstStyle/>
           <a:p>
             <a:r>
-              <a:rPr kumimoji="1" lang="en-US" altLang="zh-CN" dirty="0" smtClean="0"/>
-              <a:t>Data </a:t>
-            </a:r>
-            <a:r>
-              <a:rPr kumimoji="1" lang="en-US" altLang="zh-CN" dirty="0"/>
-              <a:t>Exploring:</a:t>
+              <a:rPr kumimoji="1" lang="en-US" altLang="zh-CN" dirty="0"/>
+              <a:t>Data Exploring:</a:t>
             </a:r>
             <a:br>
               <a:rPr kumimoji="1" lang="en-US" altLang="zh-CN" dirty="0"/>
             </a:br>
             <a:r>
               <a:rPr kumimoji="1" lang="en-US" altLang="zh-CN" sz="3100" dirty="0"/>
-              <a:t> Figure measurement of </a:t>
-            </a:r>
-            <a:r>
-              <a:rPr kumimoji="1" lang="en-US" altLang="zh-CN" sz="3100" dirty="0" smtClean="0"/>
-              <a:t>two channels in </a:t>
-            </a:r>
-            <a:r>
-              <a:rPr kumimoji="1" lang="en-US" altLang="zh-CN" sz="3100" dirty="0"/>
-              <a:t>QCM10 :</a:t>
+              <a:t> Figure measurement of two channels in QCM10 :</a:t>
             </a:r>
             <a:endParaRPr kumimoji="1" lang="zh-CN" altLang="en-US" sz="3100" dirty="0"/>
           </a:p>
@@ -6689,13 +6462,6 @@
   <p:clrMapOvr>
     <a:masterClrMapping/>
   </p:clrMapOvr>
-  <p:timing>
-    <p:tnLst>
-      <p:par>
-        <p:cTn id="1" dur="indefinite" restart="never" nodeType="tmRoot"/>
-      </p:par>
-    </p:tnLst>
-  </p:timing>
 </p:sld>
 </file>
 
@@ -6755,42 +6521,17 @@
           <a:lstStyle/>
           <a:p>
             <a:r>
-              <a:rPr kumimoji="1" lang="en-US" altLang="zh-CN" dirty="0" smtClean="0"/>
-              <a:t>Trend </a:t>
-            </a:r>
-            <a:r>
-              <a:rPr kumimoji="1" lang="en-US" altLang="zh-CN" dirty="0"/>
-              <a:t>of measurement of two channel </a:t>
-            </a:r>
-            <a:r>
-              <a:rPr kumimoji="1" lang="en-US" altLang="zh-CN" dirty="0" smtClean="0"/>
-              <a:t>is </a:t>
-            </a:r>
-            <a:r>
-              <a:rPr kumimoji="1" lang="en-US" altLang="zh-CN" dirty="0"/>
-              <a:t>similar. </a:t>
-            </a:r>
-            <a:endParaRPr kumimoji="1" lang="en-US" altLang="zh-CN" dirty="0" smtClean="0"/>
+              <a:rPr kumimoji="1" lang="en-US" altLang="zh-CN" dirty="0"/>
+              <a:t>Trend of measurement of two channel is similar. </a:t>
+            </a:r>
           </a:p>
           <a:p>
             <a:endParaRPr kumimoji="1" lang="en-US" altLang="zh-CN" dirty="0"/>
           </a:p>
           <a:p>
             <a:r>
-              <a:rPr kumimoji="1" lang="en-US" altLang="zh-CN" dirty="0" smtClean="0"/>
-              <a:t>Difference </a:t>
-            </a:r>
-            <a:r>
-              <a:rPr kumimoji="1" lang="en-US" altLang="zh-CN" dirty="0"/>
-              <a:t>between But2 and </a:t>
-            </a:r>
-            <a:r>
-              <a:rPr kumimoji="1" lang="en-US" altLang="zh-CN" dirty="0" smtClean="0"/>
-              <a:t>Iso1 </a:t>
-            </a:r>
-            <a:r>
-              <a:rPr kumimoji="1" lang="en-US" altLang="zh-CN" dirty="0"/>
-              <a:t>in channel 2 is significant compared with channel 1, which helps to classify them by data both from two channels.</a:t>
+              <a:rPr kumimoji="1" lang="en-US" altLang="zh-CN" dirty="0"/>
+              <a:t>Difference between But2 and Iso1 in channel 2 is significant compared with channel 1, which helps to classify them by data both from two channels.</a:t>
             </a:r>
             <a:endParaRPr kumimoji="1" lang="zh-CN" altLang="en-US" dirty="0"/>
           </a:p>
@@ -6806,13 +6547,6 @@
   <p:clrMapOvr>
     <a:masterClrMapping/>
   </p:clrMapOvr>
-  <p:timing>
-    <p:tnLst>
-      <p:par>
-        <p:cTn id="1" dur="indefinite" restart="never" nodeType="tmRoot"/>
-      </p:par>
-    </p:tnLst>
-  </p:timing>
 </p:sld>
 </file>
 
